--- a/ppt/GIT03-Branches.pptx
+++ b/ppt/GIT03-Branches.pptx
@@ -5,10 +5,10 @@
     <p:sldMasterId id="2147483653" r:id="rId1"/>
   </p:sldMasterIdLst>
   <p:notesMasterIdLst>
-    <p:notesMasterId r:id="rId12"/>
+    <p:notesMasterId r:id="rId13"/>
   </p:notesMasterIdLst>
   <p:handoutMasterIdLst>
-    <p:handoutMasterId r:id="rId13"/>
+    <p:handoutMasterId r:id="rId14"/>
   </p:handoutMasterIdLst>
   <p:sldIdLst>
     <p:sldId id="264" r:id="rId2"/>
@@ -21,6 +21,7 @@
     <p:sldId id="278" r:id="rId9"/>
     <p:sldId id="279" r:id="rId10"/>
     <p:sldId id="280" r:id="rId11"/>
+    <p:sldId id="281" r:id="rId12"/>
   </p:sldIdLst>
   <p:sldSz cx="9144000" cy="6858000" type="screen4x3"/>
   <p:notesSz cx="6648450" cy="9782175"/>
@@ -3888,6 +3889,143 @@
 </p:sld>
 </file>
 
+<file path=ppt/slides/slide11.xml><?xml version="1.0" encoding="utf-8"?>
+<p:sld xmlns:a="http://schemas.openxmlformats.org/drawingml/2006/main" xmlns:r="http://schemas.openxmlformats.org/officeDocument/2006/relationships" xmlns:p="http://schemas.openxmlformats.org/presentationml/2006/main">
+  <p:cSld>
+    <p:spTree>
+      <p:nvGrpSpPr>
+        <p:cNvPr id="1" name=""/>
+        <p:cNvGrpSpPr/>
+        <p:nvPr/>
+      </p:nvGrpSpPr>
+      <p:grpSpPr>
+        <a:xfrm>
+          <a:off x="0" y="0"/>
+          <a:ext cx="0" cy="0"/>
+          <a:chOff x="0" y="0"/>
+          <a:chExt cx="0" cy="0"/>
+        </a:xfrm>
+      </p:grpSpPr>
+      <p:sp>
+        <p:nvSpPr>
+          <p:cNvPr id="2" name="Titre 1">
+            <a:extLst>
+              <a:ext uri="{FF2B5EF4-FFF2-40B4-BE49-F238E27FC236}">
+                <a16:creationId xmlns:a16="http://schemas.microsoft.com/office/drawing/2014/main" id="{A638A8D2-D1D2-5A6E-C992-4074BAD2E72E}"/>
+              </a:ext>
+            </a:extLst>
+          </p:cNvPr>
+          <p:cNvSpPr>
+            <a:spLocks noGrp="1"/>
+          </p:cNvSpPr>
+          <p:nvPr>
+            <p:ph type="title"/>
+          </p:nvPr>
+        </p:nvSpPr>
+        <p:spPr/>
+        <p:txBody>
+          <a:bodyPr/>
+          <a:lstStyle/>
+          <a:p>
+            <a:r>
+              <a:rPr lang="fr-FR" dirty="0"/>
+              <a:t>Branches longues</a:t>
+            </a:r>
+          </a:p>
+        </p:txBody>
+      </p:sp>
+      <p:sp>
+        <p:nvSpPr>
+          <p:cNvPr id="3" name="Espace réservé du contenu 2">
+            <a:extLst>
+              <a:ext uri="{FF2B5EF4-FFF2-40B4-BE49-F238E27FC236}">
+                <a16:creationId xmlns:a16="http://schemas.microsoft.com/office/drawing/2014/main" id="{598D426C-03D3-620C-8DF6-A2320BC0B9D0}"/>
+              </a:ext>
+            </a:extLst>
+          </p:cNvPr>
+          <p:cNvSpPr>
+            <a:spLocks noGrp="1"/>
+          </p:cNvSpPr>
+          <p:nvPr>
+            <p:ph idx="1"/>
+          </p:nvPr>
+        </p:nvSpPr>
+        <p:spPr/>
+        <p:txBody>
+          <a:bodyPr/>
+          <a:lstStyle/>
+          <a:p>
+            <a:r>
+              <a:rPr lang="fr-FR" dirty="0"/>
+              <a:t>Certaines branches ont une durée de vie longue</a:t>
+            </a:r>
+          </a:p>
+          <a:p>
+            <a:pPr lvl="1"/>
+            <a:r>
+              <a:rPr lang="fr-FR" dirty="0"/>
+              <a:t>Mise à jour majeure</a:t>
+            </a:r>
+          </a:p>
+          <a:p>
+            <a:pPr lvl="1"/>
+            <a:r>
+              <a:rPr lang="fr-FR" dirty="0"/>
+              <a:t>Durée de vie infinie</a:t>
+            </a:r>
+          </a:p>
+          <a:p>
+            <a:pPr lvl="2"/>
+            <a:r>
+              <a:rPr lang="fr-FR" dirty="0"/>
+              <a:t>Version spéciale du logiciel pour un client</a:t>
+            </a:r>
+          </a:p>
+          <a:p>
+            <a:pPr lvl="1"/>
+            <a:r>
+              <a:rPr lang="fr-FR" dirty="0"/>
+              <a:t>Ces branches doivent se comporter comme main et posséder un pull </a:t>
+            </a:r>
+            <a:r>
+              <a:rPr lang="fr-FR" dirty="0" err="1"/>
+              <a:t>request</a:t>
+            </a:r>
+            <a:endParaRPr lang="fr-FR" dirty="0"/>
+          </a:p>
+          <a:p>
+            <a:r>
+              <a:rPr lang="fr-FR" dirty="0"/>
+              <a:t>Création d'une branche à partir de la branche courante</a:t>
+            </a:r>
+          </a:p>
+          <a:p>
+            <a:pPr lvl="1"/>
+            <a:r>
+              <a:rPr lang="en-US" dirty="0"/>
+              <a:t>git checkout -b </a:t>
+            </a:r>
+            <a:r>
+              <a:rPr lang="en-US" dirty="0" err="1"/>
+              <a:t>newBranch</a:t>
+            </a:r>
+            <a:endParaRPr lang="fr-FR" dirty="0"/>
+          </a:p>
+        </p:txBody>
+      </p:sp>
+    </p:spTree>
+    <p:extLst>
+      <p:ext uri="{BB962C8B-B14F-4D97-AF65-F5344CB8AC3E}">
+        <p14:creationId xmlns:p14="http://schemas.microsoft.com/office/powerpoint/2010/main" val="1929871883"/>
+      </p:ext>
+    </p:extLst>
+  </p:cSld>
+  <p:clrMapOvr>
+    <a:masterClrMapping/>
+  </p:clrMapOvr>
+</p:sld>
+</file>
+
 <file path=ppt/slides/slide2.xml><?xml version="1.0" encoding="utf-8"?>
 <p:sld xmlns:a="http://schemas.openxmlformats.org/drawingml/2006/main" xmlns:r="http://schemas.openxmlformats.org/officeDocument/2006/relationships" xmlns:p="http://schemas.openxmlformats.org/presentationml/2006/main">
   <p:cSld>
@@ -4571,6 +4709,24 @@
         <p:txBody>
           <a:bodyPr/>
           <a:lstStyle/>
+          <a:p>
+            <a:r>
+              <a:rPr lang="fr-FR" dirty="0"/>
+              <a:t>Pour ajouter la branche sur le dépôt distant</a:t>
+            </a:r>
+          </a:p>
+          <a:p>
+            <a:pPr lvl="1"/>
+            <a:r>
+              <a:rPr lang="en-US" dirty="0"/>
+              <a:t>git push -u </a:t>
+            </a:r>
+            <a:r>
+              <a:rPr lang="en-US"/>
+              <a:t>origin branch</a:t>
+            </a:r>
+            <a:endParaRPr lang="fr-FR" dirty="0"/>
+          </a:p>
           <a:p>
             <a:r>
               <a:rPr lang="fr-FR" dirty="0"/>

--- a/ppt/GIT03-Branches.pptx
+++ b/ppt/GIT03-Branches.pptx
@@ -4719,15 +4719,12 @@
             <a:pPr lvl="1"/>
             <a:r>
               <a:rPr lang="en-US" dirty="0"/>
-              <a:t>git push -u </a:t>
-            </a:r>
-            <a:r>
-              <a:rPr lang="en-US"/>
-              <a:t>origin branch</a:t>
+              <a:t>git push -u origin branch</a:t>
             </a:r>
             <a:endParaRPr lang="fr-FR" dirty="0"/>
           </a:p>
           <a:p>
+            <a:pPr lvl="1"/>
             <a:r>
               <a:rPr lang="fr-FR" dirty="0"/>
               <a:t>La branche est créée sur le dépôt distant</a:t>
@@ -4745,6 +4742,18 @@
               <a:rPr lang="fr-FR" dirty="0"/>
               <a:t>Nous voyons apparaitre une nouvelle branche + un commit</a:t>
             </a:r>
+          </a:p>
+          <a:p>
+            <a:pPr lvl="1"/>
+            <a:r>
+              <a:rPr lang="fr-FR" dirty="0"/>
+              <a:t>Puis ensuite un git push </a:t>
+            </a:r>
+            <a:r>
+              <a:rPr lang="fr-FR"/>
+              <a:t>classique suffit</a:t>
+            </a:r>
+            <a:endParaRPr lang="fr-FR" dirty="0"/>
           </a:p>
         </p:txBody>
       </p:sp>

--- a/ppt/GIT03-Branches.pptx
+++ b/ppt/GIT03-Branches.pptx
@@ -5,23 +5,25 @@
     <p:sldMasterId id="2147483653" r:id="rId1"/>
   </p:sldMasterIdLst>
   <p:notesMasterIdLst>
-    <p:notesMasterId r:id="rId13"/>
+    <p:notesMasterId r:id="rId15"/>
   </p:notesMasterIdLst>
   <p:handoutMasterIdLst>
-    <p:handoutMasterId r:id="rId14"/>
+    <p:handoutMasterId r:id="rId16"/>
   </p:handoutMasterIdLst>
   <p:sldIdLst>
     <p:sldId id="264" r:id="rId2"/>
     <p:sldId id="272" r:id="rId3"/>
     <p:sldId id="273" r:id="rId4"/>
     <p:sldId id="274" r:id="rId5"/>
-    <p:sldId id="275" r:id="rId6"/>
-    <p:sldId id="276" r:id="rId7"/>
-    <p:sldId id="277" r:id="rId8"/>
-    <p:sldId id="278" r:id="rId9"/>
-    <p:sldId id="279" r:id="rId10"/>
-    <p:sldId id="280" r:id="rId11"/>
-    <p:sldId id="281" r:id="rId12"/>
+    <p:sldId id="375" r:id="rId6"/>
+    <p:sldId id="374" r:id="rId7"/>
+    <p:sldId id="275" r:id="rId8"/>
+    <p:sldId id="276" r:id="rId9"/>
+    <p:sldId id="277" r:id="rId10"/>
+    <p:sldId id="278" r:id="rId11"/>
+    <p:sldId id="279" r:id="rId12"/>
+    <p:sldId id="280" r:id="rId13"/>
+    <p:sldId id="281" r:id="rId14"/>
   </p:sldIdLst>
   <p:sldSz cx="9144000" cy="6858000" type="screen4x3"/>
   <p:notesSz cx="6648450" cy="9782175"/>
@@ -3775,6 +3777,252 @@
           <p:cNvPr id="2" name="Titre 1">
             <a:extLst>
               <a:ext uri="{FF2B5EF4-FFF2-40B4-BE49-F238E27FC236}">
+                <a16:creationId xmlns:a16="http://schemas.microsoft.com/office/drawing/2014/main" id="{BEABD2B0-DFD0-12FA-8F5F-63022861400C}"/>
+              </a:ext>
+            </a:extLst>
+          </p:cNvPr>
+          <p:cNvSpPr>
+            <a:spLocks noGrp="1"/>
+          </p:cNvSpPr>
+          <p:nvPr>
+            <p:ph type="title"/>
+          </p:nvPr>
+        </p:nvSpPr>
+        <p:spPr/>
+        <p:txBody>
+          <a:bodyPr/>
+          <a:lstStyle/>
+          <a:p>
+            <a:r>
+              <a:rPr lang="fr-FR" dirty="0"/>
+              <a:t>Merge</a:t>
+            </a:r>
+          </a:p>
+        </p:txBody>
+      </p:sp>
+      <p:sp>
+        <p:nvSpPr>
+          <p:cNvPr id="3" name="Espace réservé du contenu 2">
+            <a:extLst>
+              <a:ext uri="{FF2B5EF4-FFF2-40B4-BE49-F238E27FC236}">
+                <a16:creationId xmlns:a16="http://schemas.microsoft.com/office/drawing/2014/main" id="{FB42AFBE-1F67-E555-E5A2-215B16855CFC}"/>
+              </a:ext>
+            </a:extLst>
+          </p:cNvPr>
+          <p:cNvSpPr>
+            <a:spLocks noGrp="1"/>
+          </p:cNvSpPr>
+          <p:nvPr>
+            <p:ph idx="1"/>
+          </p:nvPr>
+        </p:nvSpPr>
+        <p:spPr/>
+        <p:txBody>
+          <a:bodyPr/>
+          <a:lstStyle/>
+          <a:p>
+            <a:r>
+              <a:rPr lang="fr-FR" dirty="0"/>
+              <a:t>Cette commande doit s'utiliser à partir de la branche dans laquelle nous voulons apporter les évolutions</a:t>
+            </a:r>
+          </a:p>
+          <a:p>
+            <a:pPr lvl="1"/>
+            <a:r>
+              <a:rPr lang="fr-FR" dirty="0"/>
+              <a:t>Dans notre cas, la commande s’effectuera donc dans la branche main</a:t>
+            </a:r>
+          </a:p>
+          <a:p>
+            <a:pPr lvl="1"/>
+            <a:r>
+              <a:rPr lang="fr-FR" dirty="0"/>
+              <a:t>Pour y retourner, utilisez la commande</a:t>
+            </a:r>
+          </a:p>
+          <a:p>
+            <a:pPr lvl="1"/>
+            <a:r>
+              <a:rPr lang="fr-FR" dirty="0"/>
+              <a:t>git </a:t>
+            </a:r>
+            <a:r>
+              <a:rPr lang="fr-FR" dirty="0" err="1"/>
+              <a:t>checkout</a:t>
+            </a:r>
+            <a:r>
+              <a:rPr lang="fr-FR" dirty="0"/>
+              <a:t> main</a:t>
+            </a:r>
+          </a:p>
+          <a:p>
+            <a:r>
+              <a:rPr lang="fr-FR" dirty="0"/>
+              <a:t>Vous pouvez fusionner votre branche à celle-ci grâce à la commande suivante</a:t>
+            </a:r>
+          </a:p>
+          <a:p>
+            <a:pPr lvl="1"/>
+            <a:r>
+              <a:rPr lang="fr-FR" dirty="0"/>
+              <a:t>git merge </a:t>
+            </a:r>
+            <a:r>
+              <a:rPr lang="fr-FR" dirty="0" err="1"/>
+              <a:t>nom_branche</a:t>
+            </a:r>
+            <a:endParaRPr lang="fr-FR" dirty="0"/>
+          </a:p>
+        </p:txBody>
+      </p:sp>
+    </p:spTree>
+    <p:extLst>
+      <p:ext uri="{BB962C8B-B14F-4D97-AF65-F5344CB8AC3E}">
+        <p14:creationId xmlns:p14="http://schemas.microsoft.com/office/powerpoint/2010/main" val="34178096"/>
+      </p:ext>
+    </p:extLst>
+  </p:cSld>
+  <p:clrMapOvr>
+    <a:masterClrMapping/>
+  </p:clrMapOvr>
+</p:sld>
+</file>
+
+<file path=ppt/slides/slide11.xml><?xml version="1.0" encoding="utf-8"?>
+<p:sld xmlns:a="http://schemas.openxmlformats.org/drawingml/2006/main" xmlns:r="http://schemas.openxmlformats.org/officeDocument/2006/relationships" xmlns:p="http://schemas.openxmlformats.org/presentationml/2006/main">
+  <p:cSld>
+    <p:spTree>
+      <p:nvGrpSpPr>
+        <p:cNvPr id="1" name=""/>
+        <p:cNvGrpSpPr/>
+        <p:nvPr/>
+      </p:nvGrpSpPr>
+      <p:grpSpPr>
+        <a:xfrm>
+          <a:off x="0" y="0"/>
+          <a:ext cx="0" cy="0"/>
+          <a:chOff x="0" y="0"/>
+          <a:chExt cx="0" cy="0"/>
+        </a:xfrm>
+      </p:grpSpPr>
+      <p:sp>
+        <p:nvSpPr>
+          <p:cNvPr id="2" name="Titre 1">
+            <a:extLst>
+              <a:ext uri="{FF2B5EF4-FFF2-40B4-BE49-F238E27FC236}">
+                <a16:creationId xmlns:a16="http://schemas.microsoft.com/office/drawing/2014/main" id="{19209333-3297-E66C-0949-7B10362D8278}"/>
+              </a:ext>
+            </a:extLst>
+          </p:cNvPr>
+          <p:cNvSpPr>
+            <a:spLocks noGrp="1"/>
+          </p:cNvSpPr>
+          <p:nvPr>
+            <p:ph type="title"/>
+          </p:nvPr>
+        </p:nvSpPr>
+        <p:spPr/>
+        <p:txBody>
+          <a:bodyPr/>
+          <a:lstStyle/>
+          <a:p>
+            <a:r>
+              <a:rPr lang="fr-FR" dirty="0"/>
+              <a:t>Merge</a:t>
+            </a:r>
+          </a:p>
+        </p:txBody>
+      </p:sp>
+      <p:sp>
+        <p:nvSpPr>
+          <p:cNvPr id="3" name="Espace réservé du contenu 2">
+            <a:extLst>
+              <a:ext uri="{FF2B5EF4-FFF2-40B4-BE49-F238E27FC236}">
+                <a16:creationId xmlns:a16="http://schemas.microsoft.com/office/drawing/2014/main" id="{49F083CA-0E72-E5D1-B7BD-1C4B067C24CF}"/>
+              </a:ext>
+            </a:extLst>
+          </p:cNvPr>
+          <p:cNvSpPr>
+            <a:spLocks noGrp="1"/>
+          </p:cNvSpPr>
+          <p:nvPr>
+            <p:ph idx="1"/>
+          </p:nvPr>
+        </p:nvSpPr>
+        <p:spPr/>
+        <p:txBody>
+          <a:bodyPr/>
+          <a:lstStyle/>
+          <a:p>
+            <a:endParaRPr lang="fr-FR"/>
+          </a:p>
+        </p:txBody>
+      </p:sp>
+      <p:pic>
+        <p:nvPicPr>
+          <p:cNvPr id="5" name="Image 4">
+            <a:extLst>
+              <a:ext uri="{FF2B5EF4-FFF2-40B4-BE49-F238E27FC236}">
+                <a16:creationId xmlns:a16="http://schemas.microsoft.com/office/drawing/2014/main" id="{A98BF5E3-F037-51D3-7F14-5741CA35E131}"/>
+              </a:ext>
+            </a:extLst>
+          </p:cNvPr>
+          <p:cNvPicPr>
+            <a:picLocks noChangeAspect="1"/>
+          </p:cNvPicPr>
+          <p:nvPr/>
+        </p:nvPicPr>
+        <p:blipFill>
+          <a:blip r:embed="rId2"/>
+          <a:stretch>
+            <a:fillRect/>
+          </a:stretch>
+        </p:blipFill>
+        <p:spPr>
+          <a:xfrm>
+            <a:off x="0" y="906638"/>
+            <a:ext cx="9144000" cy="5044723"/>
+          </a:xfrm>
+          <a:prstGeom prst="rect">
+            <a:avLst/>
+          </a:prstGeom>
+        </p:spPr>
+      </p:pic>
+    </p:spTree>
+    <p:extLst>
+      <p:ext uri="{BB962C8B-B14F-4D97-AF65-F5344CB8AC3E}">
+        <p14:creationId xmlns:p14="http://schemas.microsoft.com/office/powerpoint/2010/main" val="1727994384"/>
+      </p:ext>
+    </p:extLst>
+  </p:cSld>
+  <p:clrMapOvr>
+    <a:masterClrMapping/>
+  </p:clrMapOvr>
+</p:sld>
+</file>
+
+<file path=ppt/slides/slide12.xml><?xml version="1.0" encoding="utf-8"?>
+<p:sld xmlns:a="http://schemas.openxmlformats.org/drawingml/2006/main" xmlns:r="http://schemas.openxmlformats.org/officeDocument/2006/relationships" xmlns:p="http://schemas.openxmlformats.org/presentationml/2006/main">
+  <p:cSld>
+    <p:spTree>
+      <p:nvGrpSpPr>
+        <p:cNvPr id="1" name=""/>
+        <p:cNvGrpSpPr/>
+        <p:nvPr/>
+      </p:nvGrpSpPr>
+      <p:grpSpPr>
+        <a:xfrm>
+          <a:off x="0" y="0"/>
+          <a:ext cx="0" cy="0"/>
+          <a:chOff x="0" y="0"/>
+          <a:chExt cx="0" cy="0"/>
+        </a:xfrm>
+      </p:grpSpPr>
+      <p:sp>
+        <p:nvSpPr>
+          <p:cNvPr id="2" name="Titre 1">
+            <a:extLst>
+              <a:ext uri="{FF2B5EF4-FFF2-40B4-BE49-F238E27FC236}">
                 <a16:creationId xmlns:a16="http://schemas.microsoft.com/office/drawing/2014/main" id="{3496C593-69E6-DF54-A3CF-08D89356CE4E}"/>
               </a:ext>
             </a:extLst>
@@ -3889,7 +4137,7 @@
 </p:sld>
 </file>
 
-<file path=ppt/slides/slide11.xml><?xml version="1.0" encoding="utf-8"?>
+<file path=ppt/slides/slide13.xml><?xml version="1.0" encoding="utf-8"?>
 <p:sld xmlns:a="http://schemas.openxmlformats.org/drawingml/2006/main" xmlns:r="http://schemas.openxmlformats.org/officeDocument/2006/relationships" xmlns:p="http://schemas.openxmlformats.org/presentationml/2006/main">
   <p:cSld>
     <p:spTree>
@@ -4393,48 +4641,7 @@
             <a:pPr lvl="1"/>
             <a:r>
               <a:rPr lang="fr-FR" dirty="0"/>
-              <a:t>La branche est </a:t>
-            </a:r>
-            <a:r>
-              <a:rPr lang="fr-FR" dirty="0" err="1"/>
-              <a:t>créees</a:t>
-            </a:r>
-            <a:r>
-              <a:rPr lang="fr-FR" dirty="0"/>
-              <a:t> mais non utilisée</a:t>
-            </a:r>
-          </a:p>
-          <a:p>
-            <a:r>
-              <a:rPr lang="fr-FR" dirty="0"/>
-              <a:t>Changement de branche</a:t>
-            </a:r>
-          </a:p>
-          <a:p>
-            <a:pPr lvl="1"/>
-            <a:r>
-              <a:rPr lang="fr-FR" dirty="0"/>
-              <a:t>git </a:t>
-            </a:r>
-            <a:r>
-              <a:rPr lang="fr-FR" dirty="0" err="1"/>
-              <a:t>checkout</a:t>
-            </a:r>
-            <a:r>
-              <a:rPr lang="fr-FR" dirty="0"/>
-              <a:t> </a:t>
-            </a:r>
-            <a:r>
-              <a:rPr lang="fr-FR" dirty="0" err="1"/>
-              <a:t>nom_branche</a:t>
-            </a:r>
-            <a:endParaRPr lang="fr-FR" dirty="0"/>
-          </a:p>
-          <a:p>
-            <a:pPr lvl="1"/>
-            <a:r>
-              <a:rPr lang="fr-FR" dirty="0"/>
-              <a:t>git diff référence compare la branche courante avec la branche référence</a:t>
+              <a:t>La branche est créée mais non utilisée</a:t>
             </a:r>
           </a:p>
         </p:txBody>
@@ -4483,6 +4690,245 @@
 </file>
 
 <file path=ppt/slides/slide5.xml><?xml version="1.0" encoding="utf-8"?>
+<p:sld xmlns:a="http://schemas.openxmlformats.org/drawingml/2006/main" xmlns:r="http://schemas.openxmlformats.org/officeDocument/2006/relationships" xmlns:p="http://schemas.openxmlformats.org/presentationml/2006/main">
+  <p:cSld>
+    <p:spTree>
+      <p:nvGrpSpPr>
+        <p:cNvPr id="1" name="">
+          <a:extLst>
+            <a:ext uri="{FF2B5EF4-FFF2-40B4-BE49-F238E27FC236}">
+              <a16:creationId xmlns:a16="http://schemas.microsoft.com/office/drawing/2014/main" id="{8FC6CA10-477E-A3B8-929D-34727EFA2A8B}"/>
+            </a:ext>
+          </a:extLst>
+        </p:cNvPr>
+        <p:cNvGrpSpPr/>
+        <p:nvPr/>
+      </p:nvGrpSpPr>
+      <p:grpSpPr>
+        <a:xfrm>
+          <a:off x="0" y="0"/>
+          <a:ext cx="0" cy="0"/>
+          <a:chOff x="0" y="0"/>
+          <a:chExt cx="0" cy="0"/>
+        </a:xfrm>
+      </p:grpSpPr>
+      <p:sp>
+        <p:nvSpPr>
+          <p:cNvPr id="2" name="Titre 1">
+            <a:extLst>
+              <a:ext uri="{FF2B5EF4-FFF2-40B4-BE49-F238E27FC236}">
+                <a16:creationId xmlns:a16="http://schemas.microsoft.com/office/drawing/2014/main" id="{3794E8CD-EB97-8F08-A300-BDE59405F90B}"/>
+              </a:ext>
+            </a:extLst>
+          </p:cNvPr>
+          <p:cNvSpPr>
+            <a:spLocks noGrp="1"/>
+          </p:cNvSpPr>
+          <p:nvPr>
+            <p:ph type="title"/>
+          </p:nvPr>
+        </p:nvSpPr>
+        <p:spPr/>
+        <p:txBody>
+          <a:bodyPr/>
+          <a:lstStyle/>
+          <a:p>
+            <a:r>
+              <a:rPr lang="fr-FR" dirty="0" err="1"/>
+              <a:t>Checkout</a:t>
+            </a:r>
+            <a:endParaRPr lang="fr-FR" dirty="0"/>
+          </a:p>
+        </p:txBody>
+      </p:sp>
+      <p:sp>
+        <p:nvSpPr>
+          <p:cNvPr id="3" name="Espace réservé du contenu 2">
+            <a:extLst>
+              <a:ext uri="{FF2B5EF4-FFF2-40B4-BE49-F238E27FC236}">
+                <a16:creationId xmlns:a16="http://schemas.microsoft.com/office/drawing/2014/main" id="{0474379C-B535-11A2-A929-DE825D017D44}"/>
+              </a:ext>
+            </a:extLst>
+          </p:cNvPr>
+          <p:cNvSpPr>
+            <a:spLocks noGrp="1"/>
+          </p:cNvSpPr>
+          <p:nvPr>
+            <p:ph idx="1"/>
+          </p:nvPr>
+        </p:nvSpPr>
+        <p:spPr/>
+        <p:txBody>
+          <a:bodyPr/>
+          <a:lstStyle/>
+          <a:p>
+            <a:r>
+              <a:rPr lang="fr-FR" dirty="0"/>
+              <a:t>Changement de branche</a:t>
+            </a:r>
+          </a:p>
+          <a:p>
+            <a:pPr lvl="1"/>
+            <a:r>
+              <a:rPr lang="fr-FR" dirty="0"/>
+              <a:t>git </a:t>
+            </a:r>
+            <a:r>
+              <a:rPr lang="fr-FR" dirty="0" err="1"/>
+              <a:t>checkout</a:t>
+            </a:r>
+            <a:r>
+              <a:rPr lang="fr-FR" dirty="0"/>
+              <a:t> </a:t>
+            </a:r>
+            <a:r>
+              <a:rPr lang="fr-FR" dirty="0" err="1"/>
+              <a:t>nom_branche</a:t>
+            </a:r>
+            <a:endParaRPr lang="fr-FR" dirty="0"/>
+          </a:p>
+          <a:p>
+            <a:pPr lvl="1"/>
+            <a:r>
+              <a:rPr lang="fr-FR" dirty="0"/>
+              <a:t>git diff référence compare la branche courante avec la branche référence</a:t>
+            </a:r>
+          </a:p>
+        </p:txBody>
+      </p:sp>
+    </p:spTree>
+    <p:extLst>
+      <p:ext uri="{BB962C8B-B14F-4D97-AF65-F5344CB8AC3E}">
+        <p14:creationId xmlns:p14="http://schemas.microsoft.com/office/powerpoint/2010/main" val="2358994723"/>
+      </p:ext>
+    </p:extLst>
+  </p:cSld>
+  <p:clrMapOvr>
+    <a:masterClrMapping/>
+  </p:clrMapOvr>
+</p:sld>
+</file>
+
+<file path=ppt/slides/slide6.xml><?xml version="1.0" encoding="utf-8"?>
+<p:sld xmlns:a="http://schemas.openxmlformats.org/drawingml/2006/main" xmlns:r="http://schemas.openxmlformats.org/officeDocument/2006/relationships" xmlns:p="http://schemas.openxmlformats.org/presentationml/2006/main">
+  <p:cSld>
+    <p:spTree>
+      <p:nvGrpSpPr>
+        <p:cNvPr id="1" name="">
+          <a:extLst>
+            <a:ext uri="{FF2B5EF4-FFF2-40B4-BE49-F238E27FC236}">
+              <a16:creationId xmlns:a16="http://schemas.microsoft.com/office/drawing/2014/main" id="{7DAA379C-6DAD-8ABD-20B1-4EDD9623880D}"/>
+            </a:ext>
+          </a:extLst>
+        </p:cNvPr>
+        <p:cNvGrpSpPr/>
+        <p:nvPr/>
+      </p:nvGrpSpPr>
+      <p:grpSpPr>
+        <a:xfrm>
+          <a:off x="0" y="0"/>
+          <a:ext cx="0" cy="0"/>
+          <a:chOff x="0" y="0"/>
+          <a:chExt cx="0" cy="0"/>
+        </a:xfrm>
+      </p:grpSpPr>
+      <p:sp>
+        <p:nvSpPr>
+          <p:cNvPr id="2" name="Titre 1">
+            <a:extLst>
+              <a:ext uri="{FF2B5EF4-FFF2-40B4-BE49-F238E27FC236}">
+                <a16:creationId xmlns:a16="http://schemas.microsoft.com/office/drawing/2014/main" id="{A9B84275-C832-83FD-AB6F-4F9A6978B4F9}"/>
+              </a:ext>
+            </a:extLst>
+          </p:cNvPr>
+          <p:cNvSpPr>
+            <a:spLocks noGrp="1"/>
+          </p:cNvSpPr>
+          <p:nvPr>
+            <p:ph type="title"/>
+          </p:nvPr>
+        </p:nvSpPr>
+        <p:spPr/>
+        <p:txBody>
+          <a:bodyPr/>
+          <a:lstStyle/>
+          <a:p>
+            <a:r>
+              <a:rPr lang="fr-FR" dirty="0"/>
+              <a:t>Architecture Git</a:t>
+            </a:r>
+          </a:p>
+        </p:txBody>
+      </p:sp>
+      <p:sp>
+        <p:nvSpPr>
+          <p:cNvPr id="3" name="Espace réservé du contenu 2">
+            <a:extLst>
+              <a:ext uri="{FF2B5EF4-FFF2-40B4-BE49-F238E27FC236}">
+                <a16:creationId xmlns:a16="http://schemas.microsoft.com/office/drawing/2014/main" id="{6CF312E7-ADC8-63B7-B5DE-39E909BDA93A}"/>
+              </a:ext>
+            </a:extLst>
+          </p:cNvPr>
+          <p:cNvSpPr>
+            <a:spLocks noGrp="1"/>
+          </p:cNvSpPr>
+          <p:nvPr>
+            <p:ph idx="1"/>
+          </p:nvPr>
+        </p:nvSpPr>
+        <p:spPr/>
+        <p:txBody>
+          <a:bodyPr/>
+          <a:lstStyle/>
+          <a:p>
+            <a:endParaRPr lang="fr-FR"/>
+          </a:p>
+        </p:txBody>
+      </p:sp>
+      <p:pic>
+        <p:nvPicPr>
+          <p:cNvPr id="5" name="Image 4">
+            <a:extLst>
+              <a:ext uri="{FF2B5EF4-FFF2-40B4-BE49-F238E27FC236}">
+                <a16:creationId xmlns:a16="http://schemas.microsoft.com/office/drawing/2014/main" id="{892ED468-F386-7DBF-B68A-8FC5B0B38ED9}"/>
+              </a:ext>
+            </a:extLst>
+          </p:cNvPr>
+          <p:cNvPicPr>
+            <a:picLocks noChangeAspect="1"/>
+          </p:cNvPicPr>
+          <p:nvPr/>
+        </p:nvPicPr>
+        <p:blipFill>
+          <a:blip r:embed="rId2"/>
+          <a:stretch>
+            <a:fillRect/>
+          </a:stretch>
+        </p:blipFill>
+        <p:spPr>
+          <a:xfrm>
+            <a:off x="323257" y="342469"/>
+            <a:ext cx="8497486" cy="6173061"/>
+          </a:xfrm>
+          <a:prstGeom prst="rect">
+            <a:avLst/>
+          </a:prstGeom>
+        </p:spPr>
+      </p:pic>
+    </p:spTree>
+    <p:extLst>
+      <p:ext uri="{BB962C8B-B14F-4D97-AF65-F5344CB8AC3E}">
+        <p14:creationId xmlns:p14="http://schemas.microsoft.com/office/powerpoint/2010/main" val="2031191421"/>
+      </p:ext>
+    </p:extLst>
+  </p:cSld>
+  <p:clrMapOvr>
+    <a:masterClrMapping/>
+  </p:clrMapOvr>
+</p:sld>
+</file>
+
+<file path=ppt/slides/slide7.xml><?xml version="1.0" encoding="utf-8"?>
 <p:sld xmlns:a="http://schemas.openxmlformats.org/drawingml/2006/main" xmlns:r="http://schemas.openxmlformats.org/officeDocument/2006/relationships" xmlns:p="http://schemas.openxmlformats.org/presentationml/2006/main">
   <p:cSld>
     <p:spTree>
@@ -4644,7 +5090,7 @@
 </p:sld>
 </file>
 
-<file path=ppt/slides/slide6.xml><?xml version="1.0" encoding="utf-8"?>
+<file path=ppt/slides/slide8.xml><?xml version="1.0" encoding="utf-8"?>
 <p:sld xmlns:a="http://schemas.openxmlformats.org/drawingml/2006/main" xmlns:r="http://schemas.openxmlformats.org/officeDocument/2006/relationships" xmlns:p="http://schemas.openxmlformats.org/presentationml/2006/main">
   <p:cSld>
     <p:spTree>
@@ -4770,7 +5216,7 @@
 </p:sld>
 </file>
 
-<file path=ppt/slides/slide7.xml><?xml version="1.0" encoding="utf-8"?>
+<file path=ppt/slides/slide9.xml><?xml version="1.0" encoding="utf-8"?>
 <p:sld xmlns:a="http://schemas.openxmlformats.org/drawingml/2006/main" xmlns:r="http://schemas.openxmlformats.org/officeDocument/2006/relationships" xmlns:p="http://schemas.openxmlformats.org/presentationml/2006/main">
   <p:cSld>
     <p:spTree>
@@ -4908,252 +5354,6 @@
     <p:extLst>
       <p:ext uri="{BB962C8B-B14F-4D97-AF65-F5344CB8AC3E}">
         <p14:creationId xmlns:p14="http://schemas.microsoft.com/office/powerpoint/2010/main" val="2292273406"/>
-      </p:ext>
-    </p:extLst>
-  </p:cSld>
-  <p:clrMapOvr>
-    <a:masterClrMapping/>
-  </p:clrMapOvr>
-</p:sld>
-</file>
-
-<file path=ppt/slides/slide8.xml><?xml version="1.0" encoding="utf-8"?>
-<p:sld xmlns:a="http://schemas.openxmlformats.org/drawingml/2006/main" xmlns:r="http://schemas.openxmlformats.org/officeDocument/2006/relationships" xmlns:p="http://schemas.openxmlformats.org/presentationml/2006/main">
-  <p:cSld>
-    <p:spTree>
-      <p:nvGrpSpPr>
-        <p:cNvPr id="1" name=""/>
-        <p:cNvGrpSpPr/>
-        <p:nvPr/>
-      </p:nvGrpSpPr>
-      <p:grpSpPr>
-        <a:xfrm>
-          <a:off x="0" y="0"/>
-          <a:ext cx="0" cy="0"/>
-          <a:chOff x="0" y="0"/>
-          <a:chExt cx="0" cy="0"/>
-        </a:xfrm>
-      </p:grpSpPr>
-      <p:sp>
-        <p:nvSpPr>
-          <p:cNvPr id="2" name="Titre 1">
-            <a:extLst>
-              <a:ext uri="{FF2B5EF4-FFF2-40B4-BE49-F238E27FC236}">
-                <a16:creationId xmlns:a16="http://schemas.microsoft.com/office/drawing/2014/main" id="{BEABD2B0-DFD0-12FA-8F5F-63022861400C}"/>
-              </a:ext>
-            </a:extLst>
-          </p:cNvPr>
-          <p:cNvSpPr>
-            <a:spLocks noGrp="1"/>
-          </p:cNvSpPr>
-          <p:nvPr>
-            <p:ph type="title"/>
-          </p:nvPr>
-        </p:nvSpPr>
-        <p:spPr/>
-        <p:txBody>
-          <a:bodyPr/>
-          <a:lstStyle/>
-          <a:p>
-            <a:r>
-              <a:rPr lang="fr-FR" dirty="0"/>
-              <a:t>Merge</a:t>
-            </a:r>
-          </a:p>
-        </p:txBody>
-      </p:sp>
-      <p:sp>
-        <p:nvSpPr>
-          <p:cNvPr id="3" name="Espace réservé du contenu 2">
-            <a:extLst>
-              <a:ext uri="{FF2B5EF4-FFF2-40B4-BE49-F238E27FC236}">
-                <a16:creationId xmlns:a16="http://schemas.microsoft.com/office/drawing/2014/main" id="{FB42AFBE-1F67-E555-E5A2-215B16855CFC}"/>
-              </a:ext>
-            </a:extLst>
-          </p:cNvPr>
-          <p:cNvSpPr>
-            <a:spLocks noGrp="1"/>
-          </p:cNvSpPr>
-          <p:nvPr>
-            <p:ph idx="1"/>
-          </p:nvPr>
-        </p:nvSpPr>
-        <p:spPr/>
-        <p:txBody>
-          <a:bodyPr/>
-          <a:lstStyle/>
-          <a:p>
-            <a:r>
-              <a:rPr lang="fr-FR" dirty="0"/>
-              <a:t>Cette commande doit s'utiliser à partir de la branche dans laquelle nous voulons apporter les évolutions</a:t>
-            </a:r>
-          </a:p>
-          <a:p>
-            <a:pPr lvl="1"/>
-            <a:r>
-              <a:rPr lang="fr-FR" dirty="0"/>
-              <a:t>Dans notre cas, la commande s’effectuera donc dans la branche main</a:t>
-            </a:r>
-          </a:p>
-          <a:p>
-            <a:pPr lvl="1"/>
-            <a:r>
-              <a:rPr lang="fr-FR" dirty="0"/>
-              <a:t>Pour y retourner, utilisez la commande</a:t>
-            </a:r>
-          </a:p>
-          <a:p>
-            <a:pPr lvl="1"/>
-            <a:r>
-              <a:rPr lang="fr-FR" dirty="0"/>
-              <a:t>git </a:t>
-            </a:r>
-            <a:r>
-              <a:rPr lang="fr-FR" dirty="0" err="1"/>
-              <a:t>checkout</a:t>
-            </a:r>
-            <a:r>
-              <a:rPr lang="fr-FR" dirty="0"/>
-              <a:t> main</a:t>
-            </a:r>
-          </a:p>
-          <a:p>
-            <a:r>
-              <a:rPr lang="fr-FR" dirty="0"/>
-              <a:t>Vous pouvez fusionner votre branche à celle-ci grâce à la commande suivante</a:t>
-            </a:r>
-          </a:p>
-          <a:p>
-            <a:pPr lvl="1"/>
-            <a:r>
-              <a:rPr lang="fr-FR" dirty="0"/>
-              <a:t>git merge </a:t>
-            </a:r>
-            <a:r>
-              <a:rPr lang="fr-FR" dirty="0" err="1"/>
-              <a:t>nom_branche</a:t>
-            </a:r>
-            <a:endParaRPr lang="fr-FR" dirty="0"/>
-          </a:p>
-        </p:txBody>
-      </p:sp>
-    </p:spTree>
-    <p:extLst>
-      <p:ext uri="{BB962C8B-B14F-4D97-AF65-F5344CB8AC3E}">
-        <p14:creationId xmlns:p14="http://schemas.microsoft.com/office/powerpoint/2010/main" val="34178096"/>
-      </p:ext>
-    </p:extLst>
-  </p:cSld>
-  <p:clrMapOvr>
-    <a:masterClrMapping/>
-  </p:clrMapOvr>
-</p:sld>
-</file>
-
-<file path=ppt/slides/slide9.xml><?xml version="1.0" encoding="utf-8"?>
-<p:sld xmlns:a="http://schemas.openxmlformats.org/drawingml/2006/main" xmlns:r="http://schemas.openxmlformats.org/officeDocument/2006/relationships" xmlns:p="http://schemas.openxmlformats.org/presentationml/2006/main">
-  <p:cSld>
-    <p:spTree>
-      <p:nvGrpSpPr>
-        <p:cNvPr id="1" name=""/>
-        <p:cNvGrpSpPr/>
-        <p:nvPr/>
-      </p:nvGrpSpPr>
-      <p:grpSpPr>
-        <a:xfrm>
-          <a:off x="0" y="0"/>
-          <a:ext cx="0" cy="0"/>
-          <a:chOff x="0" y="0"/>
-          <a:chExt cx="0" cy="0"/>
-        </a:xfrm>
-      </p:grpSpPr>
-      <p:sp>
-        <p:nvSpPr>
-          <p:cNvPr id="2" name="Titre 1">
-            <a:extLst>
-              <a:ext uri="{FF2B5EF4-FFF2-40B4-BE49-F238E27FC236}">
-                <a16:creationId xmlns:a16="http://schemas.microsoft.com/office/drawing/2014/main" id="{19209333-3297-E66C-0949-7B10362D8278}"/>
-              </a:ext>
-            </a:extLst>
-          </p:cNvPr>
-          <p:cNvSpPr>
-            <a:spLocks noGrp="1"/>
-          </p:cNvSpPr>
-          <p:nvPr>
-            <p:ph type="title"/>
-          </p:nvPr>
-        </p:nvSpPr>
-        <p:spPr/>
-        <p:txBody>
-          <a:bodyPr/>
-          <a:lstStyle/>
-          <a:p>
-            <a:r>
-              <a:rPr lang="fr-FR" dirty="0"/>
-              <a:t>Merge</a:t>
-            </a:r>
-          </a:p>
-        </p:txBody>
-      </p:sp>
-      <p:sp>
-        <p:nvSpPr>
-          <p:cNvPr id="3" name="Espace réservé du contenu 2">
-            <a:extLst>
-              <a:ext uri="{FF2B5EF4-FFF2-40B4-BE49-F238E27FC236}">
-                <a16:creationId xmlns:a16="http://schemas.microsoft.com/office/drawing/2014/main" id="{49F083CA-0E72-E5D1-B7BD-1C4B067C24CF}"/>
-              </a:ext>
-            </a:extLst>
-          </p:cNvPr>
-          <p:cNvSpPr>
-            <a:spLocks noGrp="1"/>
-          </p:cNvSpPr>
-          <p:nvPr>
-            <p:ph idx="1"/>
-          </p:nvPr>
-        </p:nvSpPr>
-        <p:spPr/>
-        <p:txBody>
-          <a:bodyPr/>
-          <a:lstStyle/>
-          <a:p>
-            <a:endParaRPr lang="fr-FR"/>
-          </a:p>
-        </p:txBody>
-      </p:sp>
-      <p:pic>
-        <p:nvPicPr>
-          <p:cNvPr id="5" name="Image 4">
-            <a:extLst>
-              <a:ext uri="{FF2B5EF4-FFF2-40B4-BE49-F238E27FC236}">
-                <a16:creationId xmlns:a16="http://schemas.microsoft.com/office/drawing/2014/main" id="{A98BF5E3-F037-51D3-7F14-5741CA35E131}"/>
-              </a:ext>
-            </a:extLst>
-          </p:cNvPr>
-          <p:cNvPicPr>
-            <a:picLocks noChangeAspect="1"/>
-          </p:cNvPicPr>
-          <p:nvPr/>
-        </p:nvPicPr>
-        <p:blipFill>
-          <a:blip r:embed="rId2"/>
-          <a:stretch>
-            <a:fillRect/>
-          </a:stretch>
-        </p:blipFill>
-        <p:spPr>
-          <a:xfrm>
-            <a:off x="0" y="906638"/>
-            <a:ext cx="9144000" cy="5044723"/>
-          </a:xfrm>
-          <a:prstGeom prst="rect">
-            <a:avLst/>
-          </a:prstGeom>
-        </p:spPr>
-      </p:pic>
-    </p:spTree>
-    <p:extLst>
-      <p:ext uri="{BB962C8B-B14F-4D97-AF65-F5344CB8AC3E}">
-        <p14:creationId xmlns:p14="http://schemas.microsoft.com/office/powerpoint/2010/main" val="1727994384"/>
       </p:ext>
     </p:extLst>
   </p:cSld>

--- a/ppt/GIT03-Branches.pptx
+++ b/ppt/GIT03-Branches.pptx
@@ -5,25 +5,30 @@
     <p:sldMasterId id="2147483653" r:id="rId1"/>
   </p:sldMasterIdLst>
   <p:notesMasterIdLst>
-    <p:notesMasterId r:id="rId15"/>
+    <p:notesMasterId r:id="rId20"/>
   </p:notesMasterIdLst>
   <p:handoutMasterIdLst>
-    <p:handoutMasterId r:id="rId16"/>
+    <p:handoutMasterId r:id="rId21"/>
   </p:handoutMasterIdLst>
   <p:sldIdLst>
     <p:sldId id="264" r:id="rId2"/>
     <p:sldId id="272" r:id="rId3"/>
     <p:sldId id="273" r:id="rId4"/>
-    <p:sldId id="274" r:id="rId5"/>
-    <p:sldId id="375" r:id="rId6"/>
-    <p:sldId id="374" r:id="rId7"/>
-    <p:sldId id="275" r:id="rId8"/>
-    <p:sldId id="276" r:id="rId9"/>
-    <p:sldId id="277" r:id="rId10"/>
-    <p:sldId id="278" r:id="rId11"/>
-    <p:sldId id="279" r:id="rId12"/>
-    <p:sldId id="280" r:id="rId13"/>
-    <p:sldId id="281" r:id="rId14"/>
+    <p:sldId id="376" r:id="rId5"/>
+    <p:sldId id="274" r:id="rId6"/>
+    <p:sldId id="375" r:id="rId7"/>
+    <p:sldId id="377" r:id="rId8"/>
+    <p:sldId id="374" r:id="rId9"/>
+    <p:sldId id="275" r:id="rId10"/>
+    <p:sldId id="378" r:id="rId11"/>
+    <p:sldId id="276" r:id="rId12"/>
+    <p:sldId id="277" r:id="rId13"/>
+    <p:sldId id="278" r:id="rId14"/>
+    <p:sldId id="279" r:id="rId15"/>
+    <p:sldId id="379" r:id="rId16"/>
+    <p:sldId id="380" r:id="rId17"/>
+    <p:sldId id="280" r:id="rId18"/>
+    <p:sldId id="281" r:id="rId19"/>
   </p:sldIdLst>
   <p:sldSz cx="9144000" cy="6858000" type="screen4x3"/>
   <p:notesSz cx="6648450" cy="9782175"/>
@@ -3777,6 +3782,395 @@
           <p:cNvPr id="2" name="Titre 1">
             <a:extLst>
               <a:ext uri="{FF2B5EF4-FFF2-40B4-BE49-F238E27FC236}">
+                <a16:creationId xmlns:a16="http://schemas.microsoft.com/office/drawing/2014/main" id="{6B3AE24A-C10D-4642-869B-EA9E6E4CE866}"/>
+              </a:ext>
+            </a:extLst>
+          </p:cNvPr>
+          <p:cNvSpPr>
+            <a:spLocks noGrp="1"/>
+          </p:cNvSpPr>
+          <p:nvPr>
+            <p:ph type="title"/>
+          </p:nvPr>
+        </p:nvSpPr>
+        <p:spPr/>
+        <p:txBody>
+          <a:bodyPr/>
+          <a:lstStyle/>
+          <a:p>
+            <a:r>
+              <a:rPr lang="fr-FR" dirty="0"/>
+              <a:t>Commit</a:t>
+            </a:r>
+          </a:p>
+        </p:txBody>
+      </p:sp>
+      <p:sp>
+        <p:nvSpPr>
+          <p:cNvPr id="3" name="Espace réservé du contenu 2">
+            <a:extLst>
+              <a:ext uri="{FF2B5EF4-FFF2-40B4-BE49-F238E27FC236}">
+                <a16:creationId xmlns:a16="http://schemas.microsoft.com/office/drawing/2014/main" id="{538A1F6B-0852-F3FD-7596-36E419A10665}"/>
+              </a:ext>
+            </a:extLst>
+          </p:cNvPr>
+          <p:cNvSpPr>
+            <a:spLocks noGrp="1"/>
+          </p:cNvSpPr>
+          <p:nvPr>
+            <p:ph idx="1"/>
+          </p:nvPr>
+        </p:nvSpPr>
+        <p:spPr/>
+        <p:txBody>
+          <a:bodyPr/>
+          <a:lstStyle/>
+          <a:p>
+            <a:r>
+              <a:rPr lang="fr-FR" dirty="0"/>
+              <a:t>Lors d'un commit, seule la branche distante courante est mise à jour</a:t>
+            </a:r>
+          </a:p>
+        </p:txBody>
+      </p:sp>
+      <p:pic>
+        <p:nvPicPr>
+          <p:cNvPr id="5" name="Image 4">
+            <a:extLst>
+              <a:ext uri="{FF2B5EF4-FFF2-40B4-BE49-F238E27FC236}">
+                <a16:creationId xmlns:a16="http://schemas.microsoft.com/office/drawing/2014/main" id="{1D89CD7A-0A78-B02A-F1B0-022EB3BC1184}"/>
+              </a:ext>
+            </a:extLst>
+          </p:cNvPr>
+          <p:cNvPicPr>
+            <a:picLocks noChangeAspect="1"/>
+          </p:cNvPicPr>
+          <p:nvPr/>
+        </p:nvPicPr>
+        <p:blipFill>
+          <a:blip r:embed="rId2"/>
+          <a:stretch>
+            <a:fillRect/>
+          </a:stretch>
+        </p:blipFill>
+        <p:spPr>
+          <a:xfrm>
+            <a:off x="2843808" y="2438049"/>
+            <a:ext cx="3943900" cy="4048690"/>
+          </a:xfrm>
+          <a:prstGeom prst="rect">
+            <a:avLst/>
+          </a:prstGeom>
+        </p:spPr>
+      </p:pic>
+    </p:spTree>
+    <p:extLst>
+      <p:ext uri="{BB962C8B-B14F-4D97-AF65-F5344CB8AC3E}">
+        <p14:creationId xmlns:p14="http://schemas.microsoft.com/office/powerpoint/2010/main" val="1955389435"/>
+      </p:ext>
+    </p:extLst>
+  </p:cSld>
+  <p:clrMapOvr>
+    <a:masterClrMapping/>
+  </p:clrMapOvr>
+</p:sld>
+</file>
+
+<file path=ppt/slides/slide11.xml><?xml version="1.0" encoding="utf-8"?>
+<p:sld xmlns:a="http://schemas.openxmlformats.org/drawingml/2006/main" xmlns:r="http://schemas.openxmlformats.org/officeDocument/2006/relationships" xmlns:p="http://schemas.openxmlformats.org/presentationml/2006/main">
+  <p:cSld>
+    <p:spTree>
+      <p:nvGrpSpPr>
+        <p:cNvPr id="1" name=""/>
+        <p:cNvGrpSpPr/>
+        <p:nvPr/>
+      </p:nvGrpSpPr>
+      <p:grpSpPr>
+        <a:xfrm>
+          <a:off x="0" y="0"/>
+          <a:ext cx="0" cy="0"/>
+          <a:chOff x="0" y="0"/>
+          <a:chExt cx="0" cy="0"/>
+        </a:xfrm>
+      </p:grpSpPr>
+      <p:sp>
+        <p:nvSpPr>
+          <p:cNvPr id="2" name="Titre 1">
+            <a:extLst>
+              <a:ext uri="{FF2B5EF4-FFF2-40B4-BE49-F238E27FC236}">
+                <a16:creationId xmlns:a16="http://schemas.microsoft.com/office/drawing/2014/main" id="{B0A197D2-1D84-0E41-DD59-72E8AEF43999}"/>
+              </a:ext>
+            </a:extLst>
+          </p:cNvPr>
+          <p:cNvSpPr>
+            <a:spLocks noGrp="1"/>
+          </p:cNvSpPr>
+          <p:nvPr>
+            <p:ph type="title"/>
+          </p:nvPr>
+        </p:nvSpPr>
+        <p:spPr/>
+        <p:txBody>
+          <a:bodyPr/>
+          <a:lstStyle/>
+          <a:p>
+            <a:r>
+              <a:rPr lang="fr-FR" dirty="0"/>
+              <a:t>Push</a:t>
+            </a:r>
+          </a:p>
+        </p:txBody>
+      </p:sp>
+      <p:sp>
+        <p:nvSpPr>
+          <p:cNvPr id="3" name="Espace réservé du contenu 2">
+            <a:extLst>
+              <a:ext uri="{FF2B5EF4-FFF2-40B4-BE49-F238E27FC236}">
+                <a16:creationId xmlns:a16="http://schemas.microsoft.com/office/drawing/2014/main" id="{EAE9AB2E-1516-1E93-4633-2F4DD857A9D4}"/>
+              </a:ext>
+            </a:extLst>
+          </p:cNvPr>
+          <p:cNvSpPr>
+            <a:spLocks noGrp="1"/>
+          </p:cNvSpPr>
+          <p:nvPr>
+            <p:ph idx="1"/>
+          </p:nvPr>
+        </p:nvSpPr>
+        <p:spPr/>
+        <p:txBody>
+          <a:bodyPr/>
+          <a:lstStyle/>
+          <a:p>
+            <a:r>
+              <a:rPr lang="fr-FR" dirty="0"/>
+              <a:t>Pour ajouter la branche sur le dépôt distant</a:t>
+            </a:r>
+          </a:p>
+          <a:p>
+            <a:pPr lvl="1"/>
+            <a:r>
+              <a:rPr lang="en-US" dirty="0"/>
+              <a:t>git push -u origin branch</a:t>
+            </a:r>
+            <a:endParaRPr lang="fr-FR" dirty="0"/>
+          </a:p>
+          <a:p>
+            <a:pPr lvl="1"/>
+            <a:r>
+              <a:rPr lang="fr-FR" dirty="0"/>
+              <a:t>La branche est créée sur le dépôt distant</a:t>
+            </a:r>
+          </a:p>
+          <a:p>
+            <a:r>
+              <a:rPr lang="fr-FR" dirty="0"/>
+              <a:t>Si une modification (bug fix) a été effectuée sur la branche elle est clonée sur le dépôt distant</a:t>
+            </a:r>
+          </a:p>
+          <a:p>
+            <a:pPr lvl="1"/>
+            <a:r>
+              <a:rPr lang="fr-FR" dirty="0"/>
+              <a:t>Nous voyons apparaitre une nouvelle branche + un commit</a:t>
+            </a:r>
+          </a:p>
+          <a:p>
+            <a:pPr lvl="1"/>
+            <a:r>
+              <a:rPr lang="fr-FR" dirty="0"/>
+              <a:t>Puis ensuite un git push </a:t>
+            </a:r>
+            <a:r>
+              <a:rPr lang="fr-FR"/>
+              <a:t>classique suffit</a:t>
+            </a:r>
+            <a:endParaRPr lang="fr-FR" dirty="0"/>
+          </a:p>
+        </p:txBody>
+      </p:sp>
+    </p:spTree>
+    <p:extLst>
+      <p:ext uri="{BB962C8B-B14F-4D97-AF65-F5344CB8AC3E}">
+        <p14:creationId xmlns:p14="http://schemas.microsoft.com/office/powerpoint/2010/main" val="3011113348"/>
+      </p:ext>
+    </p:extLst>
+  </p:cSld>
+  <p:clrMapOvr>
+    <a:masterClrMapping/>
+  </p:clrMapOvr>
+</p:sld>
+</file>
+
+<file path=ppt/slides/slide12.xml><?xml version="1.0" encoding="utf-8"?>
+<p:sld xmlns:a="http://schemas.openxmlformats.org/drawingml/2006/main" xmlns:r="http://schemas.openxmlformats.org/officeDocument/2006/relationships" xmlns:p="http://schemas.openxmlformats.org/presentationml/2006/main">
+  <p:cSld>
+    <p:spTree>
+      <p:nvGrpSpPr>
+        <p:cNvPr id="1" name=""/>
+        <p:cNvGrpSpPr/>
+        <p:nvPr/>
+      </p:nvGrpSpPr>
+      <p:grpSpPr>
+        <a:xfrm>
+          <a:off x="0" y="0"/>
+          <a:ext cx="0" cy="0"/>
+          <a:chOff x="0" y="0"/>
+          <a:chExt cx="0" cy="0"/>
+        </a:xfrm>
+      </p:grpSpPr>
+      <p:sp>
+        <p:nvSpPr>
+          <p:cNvPr id="2" name="Titre 1">
+            <a:extLst>
+              <a:ext uri="{FF2B5EF4-FFF2-40B4-BE49-F238E27FC236}">
+                <a16:creationId xmlns:a16="http://schemas.microsoft.com/office/drawing/2014/main" id="{6B85C916-FAD9-D731-7A7A-596074014EA3}"/>
+              </a:ext>
+            </a:extLst>
+          </p:cNvPr>
+          <p:cNvSpPr>
+            <a:spLocks noGrp="1"/>
+          </p:cNvSpPr>
+          <p:nvPr>
+            <p:ph type="title"/>
+          </p:nvPr>
+        </p:nvSpPr>
+        <p:spPr/>
+        <p:txBody>
+          <a:bodyPr/>
+          <a:lstStyle/>
+          <a:p>
+            <a:r>
+              <a:rPr lang="fr-FR" dirty="0"/>
+              <a:t>Merge</a:t>
+            </a:r>
+          </a:p>
+        </p:txBody>
+      </p:sp>
+      <p:sp>
+        <p:nvSpPr>
+          <p:cNvPr id="3" name="Espace réservé du contenu 2">
+            <a:extLst>
+              <a:ext uri="{FF2B5EF4-FFF2-40B4-BE49-F238E27FC236}">
+                <a16:creationId xmlns:a16="http://schemas.microsoft.com/office/drawing/2014/main" id="{CA651A9F-ADD2-9D29-09ED-1A692D32DD07}"/>
+              </a:ext>
+            </a:extLst>
+          </p:cNvPr>
+          <p:cNvSpPr>
+            <a:spLocks noGrp="1"/>
+          </p:cNvSpPr>
+          <p:nvPr>
+            <p:ph idx="1"/>
+          </p:nvPr>
+        </p:nvSpPr>
+        <p:spPr/>
+        <p:txBody>
+          <a:bodyPr/>
+          <a:lstStyle/>
+          <a:p>
+            <a:r>
+              <a:rPr lang="fr-FR" dirty="0"/>
+              <a:t>À présent, il faut intégrer l'évolution réalisée dans la branche à la branche principale "main"</a:t>
+            </a:r>
+          </a:p>
+          <a:p>
+            <a:r>
+              <a:rPr lang="fr-FR" dirty="0"/>
+              <a:t>Pour cela, vous devez utiliser la commande git merge</a:t>
+            </a:r>
+          </a:p>
+          <a:p>
+            <a:pPr lvl="1"/>
+            <a:r>
+              <a:rPr lang="fr-FR" dirty="0"/>
+              <a:t>Dangereux</a:t>
+            </a:r>
+          </a:p>
+          <a:p>
+            <a:pPr lvl="1"/>
+            <a:r>
+              <a:rPr lang="fr-FR" dirty="0"/>
+              <a:t>Nécessite des tests</a:t>
+            </a:r>
+          </a:p>
+          <a:p>
+            <a:pPr lvl="1"/>
+            <a:r>
+              <a:rPr lang="fr-FR" dirty="0"/>
+              <a:t>Par défaut la branche main n'est pas protégée</a:t>
+            </a:r>
+          </a:p>
+          <a:p>
+            <a:pPr lvl="1"/>
+            <a:endParaRPr lang="fr-FR" dirty="0"/>
+          </a:p>
+        </p:txBody>
+      </p:sp>
+      <p:pic>
+        <p:nvPicPr>
+          <p:cNvPr id="5" name="Image 4">
+            <a:extLst>
+              <a:ext uri="{FF2B5EF4-FFF2-40B4-BE49-F238E27FC236}">
+                <a16:creationId xmlns:a16="http://schemas.microsoft.com/office/drawing/2014/main" id="{A1F86A16-2EDB-A0B4-3A75-F2065691E7E6}"/>
+              </a:ext>
+            </a:extLst>
+          </p:cNvPr>
+          <p:cNvPicPr>
+            <a:picLocks noChangeAspect="1"/>
+          </p:cNvPicPr>
+          <p:nvPr/>
+        </p:nvPicPr>
+        <p:blipFill>
+          <a:blip r:embed="rId2"/>
+          <a:stretch>
+            <a:fillRect/>
+          </a:stretch>
+        </p:blipFill>
+        <p:spPr>
+          <a:xfrm>
+            <a:off x="590057" y="4797152"/>
+            <a:ext cx="7944959" cy="1038370"/>
+          </a:xfrm>
+          <a:prstGeom prst="rect">
+            <a:avLst/>
+          </a:prstGeom>
+        </p:spPr>
+      </p:pic>
+    </p:spTree>
+    <p:extLst>
+      <p:ext uri="{BB962C8B-B14F-4D97-AF65-F5344CB8AC3E}">
+        <p14:creationId xmlns:p14="http://schemas.microsoft.com/office/powerpoint/2010/main" val="2292273406"/>
+      </p:ext>
+    </p:extLst>
+  </p:cSld>
+  <p:clrMapOvr>
+    <a:masterClrMapping/>
+  </p:clrMapOvr>
+</p:sld>
+</file>
+
+<file path=ppt/slides/slide13.xml><?xml version="1.0" encoding="utf-8"?>
+<p:sld xmlns:a="http://schemas.openxmlformats.org/drawingml/2006/main" xmlns:r="http://schemas.openxmlformats.org/officeDocument/2006/relationships" xmlns:p="http://schemas.openxmlformats.org/presentationml/2006/main">
+  <p:cSld>
+    <p:spTree>
+      <p:nvGrpSpPr>
+        <p:cNvPr id="1" name=""/>
+        <p:cNvGrpSpPr/>
+        <p:nvPr/>
+      </p:nvGrpSpPr>
+      <p:grpSpPr>
+        <a:xfrm>
+          <a:off x="0" y="0"/>
+          <a:ext cx="0" cy="0"/>
+          <a:chOff x="0" y="0"/>
+          <a:chExt cx="0" cy="0"/>
+        </a:xfrm>
+      </p:grpSpPr>
+      <p:sp>
+        <p:nvSpPr>
+          <p:cNvPr id="2" name="Titre 1">
+            <a:extLst>
+              <a:ext uri="{FF2B5EF4-FFF2-40B4-BE49-F238E27FC236}">
                 <a16:creationId xmlns:a16="http://schemas.microsoft.com/office/drawing/2014/main" id="{BEABD2B0-DFD0-12FA-8F5F-63022861400C}"/>
               </a:ext>
             </a:extLst>
@@ -3888,7 +4282,7 @@
 </p:sld>
 </file>
 
-<file path=ppt/slides/slide11.xml><?xml version="1.0" encoding="utf-8"?>
+<file path=ppt/slides/slide14.xml><?xml version="1.0" encoding="utf-8"?>
 <p:sld xmlns:a="http://schemas.openxmlformats.org/drawingml/2006/main" xmlns:r="http://schemas.openxmlformats.org/officeDocument/2006/relationships" xmlns:p="http://schemas.openxmlformats.org/presentationml/2006/main">
   <p:cSld>
     <p:spTree>
@@ -4001,7 +4395,7 @@
 </p:sld>
 </file>
 
-<file path=ppt/slides/slide12.xml><?xml version="1.0" encoding="utf-8"?>
+<file path=ppt/slides/slide15.xml><?xml version="1.0" encoding="utf-8"?>
 <p:sld xmlns:a="http://schemas.openxmlformats.org/drawingml/2006/main" xmlns:r="http://schemas.openxmlformats.org/officeDocument/2006/relationships" xmlns:p="http://schemas.openxmlformats.org/presentationml/2006/main">
   <p:cSld>
     <p:spTree>
@@ -4023,6 +4417,326 @@
           <p:cNvPr id="2" name="Titre 1">
             <a:extLst>
               <a:ext uri="{FF2B5EF4-FFF2-40B4-BE49-F238E27FC236}">
+                <a16:creationId xmlns:a16="http://schemas.microsoft.com/office/drawing/2014/main" id="{D2EBB25A-79EE-5198-139C-AC878EA4A057}"/>
+              </a:ext>
+            </a:extLst>
+          </p:cNvPr>
+          <p:cNvSpPr>
+            <a:spLocks noGrp="1"/>
+          </p:cNvSpPr>
+          <p:nvPr>
+            <p:ph type="title"/>
+          </p:nvPr>
+        </p:nvSpPr>
+        <p:spPr/>
+        <p:txBody>
+          <a:bodyPr/>
+          <a:lstStyle/>
+          <a:p>
+            <a:r>
+              <a:rPr lang="fr-FR" dirty="0"/>
+              <a:t>Merge</a:t>
+            </a:r>
+          </a:p>
+        </p:txBody>
+      </p:sp>
+      <p:sp>
+        <p:nvSpPr>
+          <p:cNvPr id="3" name="Espace réservé du contenu 2">
+            <a:extLst>
+              <a:ext uri="{FF2B5EF4-FFF2-40B4-BE49-F238E27FC236}">
+                <a16:creationId xmlns:a16="http://schemas.microsoft.com/office/drawing/2014/main" id="{42A9800A-9430-D5C9-6BC7-9B50B6ED9276}"/>
+              </a:ext>
+            </a:extLst>
+          </p:cNvPr>
+          <p:cNvSpPr>
+            <a:spLocks noGrp="1"/>
+          </p:cNvSpPr>
+          <p:nvPr>
+            <p:ph idx="1"/>
+          </p:nvPr>
+        </p:nvSpPr>
+        <p:spPr/>
+        <p:txBody>
+          <a:bodyPr/>
+          <a:lstStyle/>
+          <a:p>
+            <a:r>
+              <a:rPr lang="fr-FR" dirty="0"/>
+              <a:t>Supposons 2 branches distinctes</a:t>
+            </a:r>
+          </a:p>
+          <a:p>
+            <a:pPr lvl="1"/>
+            <a:r>
+              <a:rPr lang="fr-FR" dirty="0"/>
+              <a:t>Chacune a un commit qui lui est propre. Cela ne signifie qu'aucune des deux branches n'inclut la totalité du "travail" qui a été fait dans le dépôt</a:t>
+            </a:r>
+          </a:p>
+          <a:p>
+            <a:pPr lvl="1"/>
+            <a:endParaRPr lang="fr-FR" dirty="0"/>
+          </a:p>
+          <a:p>
+            <a:pPr lvl="1"/>
+            <a:r>
+              <a:rPr lang="fr-FR" dirty="0"/>
+              <a:t>                       =&gt;</a:t>
+            </a:r>
+          </a:p>
+          <a:p>
+            <a:pPr lvl="1"/>
+            <a:endParaRPr lang="fr-FR" dirty="0"/>
+          </a:p>
+        </p:txBody>
+      </p:sp>
+      <p:pic>
+        <p:nvPicPr>
+          <p:cNvPr id="5" name="Image 4">
+            <a:extLst>
+              <a:ext uri="{FF2B5EF4-FFF2-40B4-BE49-F238E27FC236}">
+                <a16:creationId xmlns:a16="http://schemas.microsoft.com/office/drawing/2014/main" id="{7701269F-DABA-62EE-D9AE-3CBC90A9EC54}"/>
+              </a:ext>
+            </a:extLst>
+          </p:cNvPr>
+          <p:cNvPicPr>
+            <a:picLocks noChangeAspect="1"/>
+          </p:cNvPicPr>
+          <p:nvPr/>
+        </p:nvPicPr>
+        <p:blipFill>
+          <a:blip r:embed="rId2"/>
+          <a:stretch>
+            <a:fillRect/>
+          </a:stretch>
+        </p:blipFill>
+        <p:spPr>
+          <a:xfrm>
+            <a:off x="467544" y="3068960"/>
+            <a:ext cx="2387764" cy="3284984"/>
+          </a:xfrm>
+          <a:prstGeom prst="rect">
+            <a:avLst/>
+          </a:prstGeom>
+        </p:spPr>
+      </p:pic>
+      <p:pic>
+        <p:nvPicPr>
+          <p:cNvPr id="7" name="Image 6">
+            <a:extLst>
+              <a:ext uri="{FF2B5EF4-FFF2-40B4-BE49-F238E27FC236}">
+                <a16:creationId xmlns:a16="http://schemas.microsoft.com/office/drawing/2014/main" id="{B5CBEDCE-FF8B-9C29-A364-C6398257EE66}"/>
+              </a:ext>
+            </a:extLst>
+          </p:cNvPr>
+          <p:cNvPicPr>
+            <a:picLocks noChangeAspect="1"/>
+          </p:cNvPicPr>
+          <p:nvPr/>
+        </p:nvPicPr>
+        <p:blipFill>
+          <a:blip r:embed="rId3"/>
+          <a:stretch>
+            <a:fillRect/>
+          </a:stretch>
+        </p:blipFill>
+        <p:spPr>
+          <a:xfrm>
+            <a:off x="3418612" y="3051834"/>
+            <a:ext cx="2306775" cy="3286066"/>
+          </a:xfrm>
+          <a:prstGeom prst="rect">
+            <a:avLst/>
+          </a:prstGeom>
+        </p:spPr>
+      </p:pic>
+    </p:spTree>
+    <p:extLst>
+      <p:ext uri="{BB962C8B-B14F-4D97-AF65-F5344CB8AC3E}">
+        <p14:creationId xmlns:p14="http://schemas.microsoft.com/office/powerpoint/2010/main" val="3722262081"/>
+      </p:ext>
+    </p:extLst>
+  </p:cSld>
+  <p:clrMapOvr>
+    <a:masterClrMapping/>
+  </p:clrMapOvr>
+</p:sld>
+</file>
+
+<file path=ppt/slides/slide16.xml><?xml version="1.0" encoding="utf-8"?>
+<p:sld xmlns:a="http://schemas.openxmlformats.org/drawingml/2006/main" xmlns:r="http://schemas.openxmlformats.org/officeDocument/2006/relationships" xmlns:p="http://schemas.openxmlformats.org/presentationml/2006/main">
+  <p:cSld>
+    <p:spTree>
+      <p:nvGrpSpPr>
+        <p:cNvPr id="1" name=""/>
+        <p:cNvGrpSpPr/>
+        <p:nvPr/>
+      </p:nvGrpSpPr>
+      <p:grpSpPr>
+        <a:xfrm>
+          <a:off x="0" y="0"/>
+          <a:ext cx="0" cy="0"/>
+          <a:chOff x="0" y="0"/>
+          <a:chExt cx="0" cy="0"/>
+        </a:xfrm>
+      </p:grpSpPr>
+      <p:sp>
+        <p:nvSpPr>
+          <p:cNvPr id="2" name="Titre 1">
+            <a:extLst>
+              <a:ext uri="{FF2B5EF4-FFF2-40B4-BE49-F238E27FC236}">
+                <a16:creationId xmlns:a16="http://schemas.microsoft.com/office/drawing/2014/main" id="{BE1E740E-56A8-BF72-105F-A1466C603645}"/>
+              </a:ext>
+            </a:extLst>
+          </p:cNvPr>
+          <p:cNvSpPr>
+            <a:spLocks noGrp="1"/>
+          </p:cNvSpPr>
+          <p:nvPr>
+            <p:ph type="title"/>
+          </p:nvPr>
+        </p:nvSpPr>
+        <p:spPr/>
+        <p:txBody>
+          <a:bodyPr/>
+          <a:lstStyle/>
+          <a:p>
+            <a:r>
+              <a:rPr lang="fr-FR" dirty="0"/>
+              <a:t>Rebase</a:t>
+            </a:r>
+          </a:p>
+        </p:txBody>
+      </p:sp>
+      <p:sp>
+        <p:nvSpPr>
+          <p:cNvPr id="3" name="Espace réservé du contenu 2">
+            <a:extLst>
+              <a:ext uri="{FF2B5EF4-FFF2-40B4-BE49-F238E27FC236}">
+                <a16:creationId xmlns:a16="http://schemas.microsoft.com/office/drawing/2014/main" id="{4509F8B8-7176-91D2-F40C-55D36A3A0048}"/>
+              </a:ext>
+            </a:extLst>
+          </p:cNvPr>
+          <p:cNvSpPr>
+            <a:spLocks noGrp="1"/>
+          </p:cNvSpPr>
+          <p:nvPr>
+            <p:ph idx="1"/>
+          </p:nvPr>
+        </p:nvSpPr>
+        <p:spPr>
+          <a:xfrm>
+            <a:off x="179512" y="1412776"/>
+            <a:ext cx="6186839" cy="5040560"/>
+          </a:xfrm>
+        </p:spPr>
+        <p:txBody>
+          <a:bodyPr/>
+          <a:lstStyle/>
+          <a:p>
+            <a:r>
+              <a:rPr lang="fr-FR" sz="2400" dirty="0"/>
+              <a:t>La seconde façon de combiner les contenus de deux branches est rebase</a:t>
+            </a:r>
+          </a:p>
+          <a:p>
+            <a:r>
+              <a:rPr lang="fr-FR" sz="2400" dirty="0"/>
+              <a:t>Rebase prend un ensemble de </a:t>
+            </a:r>
+            <a:r>
+              <a:rPr lang="fr-FR" sz="2400" dirty="0" err="1"/>
+              <a:t>commits</a:t>
+            </a:r>
+            <a:r>
+              <a:rPr lang="fr-FR" sz="2400" dirty="0"/>
+              <a:t>, les "recopie", et les ajoute en bout de chaîne à un autre endroit</a:t>
+            </a:r>
+          </a:p>
+          <a:p>
+            <a:r>
+              <a:rPr lang="fr-FR" sz="2400" dirty="0"/>
+              <a:t>Bien que cela puisse sembler compliqué, l'avantage de rebase est de permettre d'obtenir une simple séquence linéaire de </a:t>
+            </a:r>
+            <a:r>
+              <a:rPr lang="fr-FR" sz="2400" dirty="0" err="1"/>
+              <a:t>commits</a:t>
+            </a:r>
+            <a:endParaRPr lang="fr-FR" sz="2400" dirty="0"/>
+          </a:p>
+          <a:p>
+            <a:r>
+              <a:rPr lang="fr-FR" sz="2400" dirty="0"/>
+              <a:t>Les logs/l'historique du dépôt seront bien plus propres si seul rebase est autorisé</a:t>
+            </a:r>
+          </a:p>
+        </p:txBody>
+      </p:sp>
+      <p:pic>
+        <p:nvPicPr>
+          <p:cNvPr id="5" name="Image 4">
+            <a:extLst>
+              <a:ext uri="{FF2B5EF4-FFF2-40B4-BE49-F238E27FC236}">
+                <a16:creationId xmlns:a16="http://schemas.microsoft.com/office/drawing/2014/main" id="{38AB7FFE-4413-D1D3-0579-22EAB784FF43}"/>
+              </a:ext>
+            </a:extLst>
+          </p:cNvPr>
+          <p:cNvPicPr>
+            <a:picLocks noChangeAspect="1"/>
+          </p:cNvPicPr>
+          <p:nvPr/>
+        </p:nvPicPr>
+        <p:blipFill>
+          <a:blip r:embed="rId2"/>
+          <a:stretch>
+            <a:fillRect/>
+          </a:stretch>
+        </p:blipFill>
+        <p:spPr>
+          <a:xfrm>
+            <a:off x="6366351" y="1628800"/>
+            <a:ext cx="2781688" cy="3896269"/>
+          </a:xfrm>
+          <a:prstGeom prst="rect">
+            <a:avLst/>
+          </a:prstGeom>
+        </p:spPr>
+      </p:pic>
+    </p:spTree>
+    <p:extLst>
+      <p:ext uri="{BB962C8B-B14F-4D97-AF65-F5344CB8AC3E}">
+        <p14:creationId xmlns:p14="http://schemas.microsoft.com/office/powerpoint/2010/main" val="3348823040"/>
+      </p:ext>
+    </p:extLst>
+  </p:cSld>
+  <p:clrMapOvr>
+    <a:masterClrMapping/>
+  </p:clrMapOvr>
+</p:sld>
+</file>
+
+<file path=ppt/slides/slide17.xml><?xml version="1.0" encoding="utf-8"?>
+<p:sld xmlns:a="http://schemas.openxmlformats.org/drawingml/2006/main" xmlns:r="http://schemas.openxmlformats.org/officeDocument/2006/relationships" xmlns:p="http://schemas.openxmlformats.org/presentationml/2006/main">
+  <p:cSld>
+    <p:spTree>
+      <p:nvGrpSpPr>
+        <p:cNvPr id="1" name=""/>
+        <p:cNvGrpSpPr/>
+        <p:nvPr/>
+      </p:nvGrpSpPr>
+      <p:grpSpPr>
+        <a:xfrm>
+          <a:off x="0" y="0"/>
+          <a:ext cx="0" cy="0"/>
+          <a:chOff x="0" y="0"/>
+          <a:chExt cx="0" cy="0"/>
+        </a:xfrm>
+      </p:grpSpPr>
+      <p:sp>
+        <p:nvSpPr>
+          <p:cNvPr id="2" name="Titre 1">
+            <a:extLst>
+              <a:ext uri="{FF2B5EF4-FFF2-40B4-BE49-F238E27FC236}">
                 <a16:creationId xmlns:a16="http://schemas.microsoft.com/office/drawing/2014/main" id="{3496C593-69E6-DF54-A3CF-08D89356CE4E}"/>
               </a:ext>
             </a:extLst>
@@ -4069,15 +4783,7 @@
           <a:p>
             <a:r>
               <a:rPr lang="fr-FR" dirty="0"/>
-              <a:t>Lorsqu'une branche a trop dévié par rapport au main il faut la rebaser afin d'</a:t>
-            </a:r>
-            <a:r>
-              <a:rPr lang="fr-FR" dirty="0" err="1"/>
-              <a:t>viter</a:t>
-            </a:r>
-            <a:r>
-              <a:rPr lang="fr-FR" dirty="0"/>
-              <a:t> les trop grandes divergences</a:t>
+              <a:t>Lorsqu'une branche a trop dévié par rapport au main il faut la rebaser afin d'éviter les trop grandes divergences</a:t>
             </a:r>
           </a:p>
           <a:p>
@@ -4090,6 +4796,20 @@
             <a:r>
               <a:rPr lang="fr-FR" dirty="0"/>
               <a:t>git rebase main</a:t>
+            </a:r>
+          </a:p>
+          <a:p>
+            <a:r>
+              <a:rPr lang="fr-FR" dirty="0"/>
+              <a:t>git rebase –i permet </a:t>
+            </a:r>
+            <a:r>
+              <a:rPr lang="fr-FR"/>
+              <a:t>d'avoir une </a:t>
+            </a:r>
+            <a:r>
+              <a:rPr lang="fr-FR" dirty="0"/>
+              <a:t>fenêtre interactive</a:t>
             </a:r>
           </a:p>
         </p:txBody>
@@ -4116,8 +4836,8 @@
         </p:blipFill>
         <p:spPr>
           <a:xfrm>
-            <a:off x="365761" y="4063225"/>
-            <a:ext cx="8621328" cy="2810267"/>
+            <a:off x="1043608" y="4581128"/>
+            <a:ext cx="7295408" cy="2378061"/>
           </a:xfrm>
           <a:prstGeom prst="rect">
             <a:avLst/>
@@ -4137,7 +4857,7 @@
 </p:sld>
 </file>
 
-<file path=ppt/slides/slide13.xml><?xml version="1.0" encoding="utf-8"?>
+<file path=ppt/slides/slide18.xml><?xml version="1.0" encoding="utf-8"?>
 <p:sld xmlns:a="http://schemas.openxmlformats.org/drawingml/2006/main" xmlns:r="http://schemas.openxmlformats.org/officeDocument/2006/relationships" xmlns:p="http://schemas.openxmlformats.org/presentationml/2006/main">
   <p:cSld>
     <p:spTree>
@@ -4543,6 +5263,122 @@
           <p:cNvPr id="2" name="Titre 1">
             <a:extLst>
               <a:ext uri="{FF2B5EF4-FFF2-40B4-BE49-F238E27FC236}">
+                <a16:creationId xmlns:a16="http://schemas.microsoft.com/office/drawing/2014/main" id="{18498A32-5709-05D1-A973-4DADB7E37D47}"/>
+              </a:ext>
+            </a:extLst>
+          </p:cNvPr>
+          <p:cNvSpPr>
+            <a:spLocks noGrp="1"/>
+          </p:cNvSpPr>
+          <p:nvPr>
+            <p:ph type="title"/>
+          </p:nvPr>
+        </p:nvSpPr>
+        <p:spPr/>
+        <p:txBody>
+          <a:bodyPr/>
+          <a:lstStyle/>
+          <a:p>
+            <a:r>
+              <a:rPr lang="fr-FR" dirty="0"/>
+              <a:t>Main et clonage</a:t>
+            </a:r>
+          </a:p>
+        </p:txBody>
+      </p:sp>
+      <p:sp>
+        <p:nvSpPr>
+          <p:cNvPr id="3" name="Espace réservé du contenu 2">
+            <a:extLst>
+              <a:ext uri="{FF2B5EF4-FFF2-40B4-BE49-F238E27FC236}">
+                <a16:creationId xmlns:a16="http://schemas.microsoft.com/office/drawing/2014/main" id="{39717406-6FA4-382B-DB43-6BBB9795CF9A}"/>
+              </a:ext>
+            </a:extLst>
+          </p:cNvPr>
+          <p:cNvSpPr>
+            <a:spLocks noGrp="1"/>
+          </p:cNvSpPr>
+          <p:nvPr>
+            <p:ph idx="1"/>
+          </p:nvPr>
+        </p:nvSpPr>
+        <p:spPr/>
+        <p:txBody>
+          <a:bodyPr/>
+          <a:lstStyle/>
+          <a:p>
+            <a:r>
+              <a:rPr lang="fr-FR" dirty="0"/>
+              <a:t>Lors du git clone une nouvelle branche est apparue dans votre dépôt local appelée </a:t>
+            </a:r>
+            <a:r>
+              <a:rPr lang="fr-FR" dirty="0" err="1"/>
+              <a:t>origin</a:t>
+            </a:r>
+            <a:r>
+              <a:rPr lang="fr-FR" dirty="0"/>
+              <a:t>/main</a:t>
+            </a:r>
+          </a:p>
+          <a:p>
+            <a:r>
+              <a:rPr lang="fr-FR" dirty="0"/>
+              <a:t>Ce type de branche est appelée une branche distante</a:t>
+            </a:r>
+          </a:p>
+          <a:p>
+            <a:r>
+              <a:rPr lang="fr-FR" dirty="0"/>
+              <a:t>Les branches distantes reflètent l'état des dépôts distants</a:t>
+            </a:r>
+          </a:p>
+          <a:p>
+            <a:pPr lvl="1"/>
+            <a:r>
+              <a:rPr lang="fr-FR" dirty="0"/>
+              <a:t>Elles vous aident à comprendre les différences entre votre travail et le travail public</a:t>
+            </a:r>
+          </a:p>
+          <a:p>
+            <a:endParaRPr lang="fr-FR" dirty="0"/>
+          </a:p>
+        </p:txBody>
+      </p:sp>
+    </p:spTree>
+    <p:extLst>
+      <p:ext uri="{BB962C8B-B14F-4D97-AF65-F5344CB8AC3E}">
+        <p14:creationId xmlns:p14="http://schemas.microsoft.com/office/powerpoint/2010/main" val="4104086440"/>
+      </p:ext>
+    </p:extLst>
+  </p:cSld>
+  <p:clrMapOvr>
+    <a:masterClrMapping/>
+  </p:clrMapOvr>
+</p:sld>
+</file>
+
+<file path=ppt/slides/slide5.xml><?xml version="1.0" encoding="utf-8"?>
+<p:sld xmlns:a="http://schemas.openxmlformats.org/drawingml/2006/main" xmlns:r="http://schemas.openxmlformats.org/officeDocument/2006/relationships" xmlns:p="http://schemas.openxmlformats.org/presentationml/2006/main">
+  <p:cSld>
+    <p:spTree>
+      <p:nvGrpSpPr>
+        <p:cNvPr id="1" name=""/>
+        <p:cNvGrpSpPr/>
+        <p:nvPr/>
+      </p:nvGrpSpPr>
+      <p:grpSpPr>
+        <a:xfrm>
+          <a:off x="0" y="0"/>
+          <a:ext cx="0" cy="0"/>
+          <a:chOff x="0" y="0"/>
+          <a:chExt cx="0" cy="0"/>
+        </a:xfrm>
+      </p:grpSpPr>
+      <p:sp>
+        <p:nvSpPr>
+          <p:cNvPr id="2" name="Titre 1">
+            <a:extLst>
+              <a:ext uri="{FF2B5EF4-FFF2-40B4-BE49-F238E27FC236}">
                 <a16:creationId xmlns:a16="http://schemas.microsoft.com/office/drawing/2014/main" id="{CD8A2F04-5239-ABAE-4180-E714968103CA}"/>
               </a:ext>
             </a:extLst>
@@ -4689,7 +5525,7 @@
 </p:sld>
 </file>
 
-<file path=ppt/slides/slide5.xml><?xml version="1.0" encoding="utf-8"?>
+<file path=ppt/slides/slide6.xml><?xml version="1.0" encoding="utf-8"?>
 <p:sld xmlns:a="http://schemas.openxmlformats.org/drawingml/2006/main" xmlns:r="http://schemas.openxmlformats.org/officeDocument/2006/relationships" xmlns:p="http://schemas.openxmlformats.org/presentationml/2006/main">
   <p:cSld>
     <p:spTree>
@@ -4794,6 +5630,49 @@
               <a:t>git diff référence compare la branche courante avec la branche référence</a:t>
             </a:r>
           </a:p>
+          <a:p>
+            <a:pPr lvl="1"/>
+            <a:r>
+              <a:rPr lang="fr-FR" dirty="0"/>
+              <a:t>Les branches distantes ont une propriété particulière</a:t>
+            </a:r>
+          </a:p>
+          <a:p>
+            <a:pPr lvl="1"/>
+            <a:r>
+              <a:rPr lang="fr-FR" dirty="0"/>
+              <a:t>quand vous vous rendez dessus  par un </a:t>
+            </a:r>
+            <a:r>
+              <a:rPr lang="fr-FR" dirty="0" err="1"/>
+              <a:t>checkout</a:t>
+            </a:r>
+            <a:endParaRPr lang="fr-FR" dirty="0"/>
+          </a:p>
+          <a:p>
+            <a:pPr lvl="1"/>
+            <a:r>
+              <a:rPr lang="fr-FR" dirty="0"/>
+              <a:t>HEAD est détaché</a:t>
+            </a:r>
+          </a:p>
+          <a:p>
+            <a:pPr lvl="1"/>
+            <a:r>
+              <a:rPr lang="fr-FR" dirty="0"/>
+              <a:t>Git fait cela car vous ne pouvez pas travailler sur ces branches directement</a:t>
+            </a:r>
+          </a:p>
+          <a:p>
+            <a:pPr lvl="1"/>
+            <a:r>
+              <a:rPr lang="fr-FR" dirty="0"/>
+              <a:t>Vous devez travailler ailleurs et ensuite partager votre travail avec le dépôt distant (après quoi vos branches distantes seront mises à jour)</a:t>
+            </a:r>
+          </a:p>
+          <a:p>
+            <a:endParaRPr lang="fr-FR" dirty="0"/>
+          </a:p>
         </p:txBody>
       </p:sp>
     </p:spTree>
@@ -4809,7 +5688,190 @@
 </p:sld>
 </file>
 
-<file path=ppt/slides/slide6.xml><?xml version="1.0" encoding="utf-8"?>
+<file path=ppt/slides/slide7.xml><?xml version="1.0" encoding="utf-8"?>
+<p:sld xmlns:a="http://schemas.openxmlformats.org/drawingml/2006/main" xmlns:r="http://schemas.openxmlformats.org/officeDocument/2006/relationships" xmlns:p="http://schemas.openxmlformats.org/presentationml/2006/main">
+  <p:cSld>
+    <p:spTree>
+      <p:nvGrpSpPr>
+        <p:cNvPr id="1" name=""/>
+        <p:cNvGrpSpPr/>
+        <p:nvPr/>
+      </p:nvGrpSpPr>
+      <p:grpSpPr>
+        <a:xfrm>
+          <a:off x="0" y="0"/>
+          <a:ext cx="0" cy="0"/>
+          <a:chOff x="0" y="0"/>
+          <a:chExt cx="0" cy="0"/>
+        </a:xfrm>
+      </p:grpSpPr>
+      <p:sp>
+        <p:nvSpPr>
+          <p:cNvPr id="2" name="Titre 1">
+            <a:extLst>
+              <a:ext uri="{FF2B5EF4-FFF2-40B4-BE49-F238E27FC236}">
+                <a16:creationId xmlns:a16="http://schemas.microsoft.com/office/drawing/2014/main" id="{5CBF62AE-591A-47A8-DCB0-A8971F2F69D7}"/>
+              </a:ext>
+            </a:extLst>
+          </p:cNvPr>
+          <p:cNvSpPr>
+            <a:spLocks noGrp="1"/>
+          </p:cNvSpPr>
+          <p:nvPr>
+            <p:ph type="title"/>
+          </p:nvPr>
+        </p:nvSpPr>
+        <p:spPr/>
+        <p:txBody>
+          <a:bodyPr/>
+          <a:lstStyle/>
+          <a:p>
+            <a:r>
+              <a:rPr lang="fr-FR" dirty="0"/>
+              <a:t>Nom des branches</a:t>
+            </a:r>
+          </a:p>
+        </p:txBody>
+      </p:sp>
+      <p:sp>
+        <p:nvSpPr>
+          <p:cNvPr id="3" name="Espace réservé du contenu 2">
+            <a:extLst>
+              <a:ext uri="{FF2B5EF4-FFF2-40B4-BE49-F238E27FC236}">
+                <a16:creationId xmlns:a16="http://schemas.microsoft.com/office/drawing/2014/main" id="{8654A3AA-61D6-F1D8-AA38-F506CA280CDE}"/>
+              </a:ext>
+            </a:extLst>
+          </p:cNvPr>
+          <p:cNvSpPr>
+            <a:spLocks noGrp="1"/>
+          </p:cNvSpPr>
+          <p:nvPr>
+            <p:ph idx="1"/>
+          </p:nvPr>
+        </p:nvSpPr>
+        <p:spPr/>
+        <p:txBody>
+          <a:bodyPr/>
+          <a:lstStyle/>
+          <a:p>
+            <a:r>
+              <a:rPr lang="fr-FR" dirty="0"/>
+              <a:t>La branche principale se nomme main</a:t>
+            </a:r>
+          </a:p>
+          <a:p>
+            <a:pPr lvl="1"/>
+            <a:r>
+              <a:rPr lang="fr-FR" dirty="0"/>
+              <a:t>master sur les anciens git</a:t>
+            </a:r>
+          </a:p>
+          <a:p>
+            <a:r>
+              <a:rPr lang="fr-FR" dirty="0"/>
+              <a:t>Le dépôt local se nomme </a:t>
+            </a:r>
+            <a:r>
+              <a:rPr lang="fr-FR" dirty="0" err="1"/>
+              <a:t>origin</a:t>
+            </a:r>
+            <a:endParaRPr lang="fr-FR" dirty="0"/>
+          </a:p>
+          <a:p>
+            <a:pPr lvl="1"/>
+            <a:r>
+              <a:rPr lang="fr-FR" dirty="0"/>
+              <a:t>Le nom </a:t>
+            </a:r>
+            <a:r>
+              <a:rPr lang="fr-FR" dirty="0" err="1"/>
+              <a:t>comple</a:t>
+            </a:r>
+            <a:r>
+              <a:rPr lang="fr-FR" dirty="0"/>
+              <a:t> de la branche distante est </a:t>
+            </a:r>
+            <a:r>
+              <a:rPr lang="fr-FR" dirty="0" err="1"/>
+              <a:t>origin</a:t>
+            </a:r>
+            <a:r>
+              <a:rPr lang="fr-FR" dirty="0"/>
+              <a:t>/main</a:t>
+            </a:r>
+          </a:p>
+          <a:p>
+            <a:pPr lvl="1"/>
+            <a:r>
+              <a:rPr lang="fr-FR" dirty="0"/>
+              <a:t>git </a:t>
+            </a:r>
+            <a:r>
+              <a:rPr lang="fr-FR" dirty="0" err="1"/>
+              <a:t>checkout</a:t>
+            </a:r>
+            <a:r>
+              <a:rPr lang="fr-FR" dirty="0"/>
+              <a:t> </a:t>
+            </a:r>
+            <a:r>
+              <a:rPr lang="fr-FR" dirty="0" err="1"/>
+              <a:t>origin</a:t>
+            </a:r>
+            <a:r>
+              <a:rPr lang="fr-FR" dirty="0"/>
+              <a:t>/main</a:t>
+            </a:r>
+          </a:p>
+          <a:p>
+            <a:endParaRPr lang="fr-FR" dirty="0"/>
+          </a:p>
+        </p:txBody>
+      </p:sp>
+      <p:pic>
+        <p:nvPicPr>
+          <p:cNvPr id="5" name="Image 4">
+            <a:extLst>
+              <a:ext uri="{FF2B5EF4-FFF2-40B4-BE49-F238E27FC236}">
+                <a16:creationId xmlns:a16="http://schemas.microsoft.com/office/drawing/2014/main" id="{E1F3B376-2D7F-58A9-3B36-7A6D039B3735}"/>
+              </a:ext>
+            </a:extLst>
+          </p:cNvPr>
+          <p:cNvPicPr>
+            <a:picLocks noChangeAspect="1"/>
+          </p:cNvPicPr>
+          <p:nvPr/>
+        </p:nvPicPr>
+        <p:blipFill>
+          <a:blip r:embed="rId2"/>
+          <a:stretch>
+            <a:fillRect/>
+          </a:stretch>
+        </p:blipFill>
+        <p:spPr>
+          <a:xfrm>
+            <a:off x="4716016" y="3573016"/>
+            <a:ext cx="3724795" cy="2448267"/>
+          </a:xfrm>
+          <a:prstGeom prst="rect">
+            <a:avLst/>
+          </a:prstGeom>
+        </p:spPr>
+      </p:pic>
+    </p:spTree>
+    <p:extLst>
+      <p:ext uri="{BB962C8B-B14F-4D97-AF65-F5344CB8AC3E}">
+        <p14:creationId xmlns:p14="http://schemas.microsoft.com/office/powerpoint/2010/main" val="1730250035"/>
+      </p:ext>
+    </p:extLst>
+  </p:cSld>
+  <p:clrMapOvr>
+    <a:masterClrMapping/>
+  </p:clrMapOvr>
+</p:sld>
+</file>
+
+<file path=ppt/slides/slide8.xml><?xml version="1.0" encoding="utf-8"?>
 <p:sld xmlns:a="http://schemas.openxmlformats.org/drawingml/2006/main" xmlns:r="http://schemas.openxmlformats.org/officeDocument/2006/relationships" xmlns:p="http://schemas.openxmlformats.org/presentationml/2006/main">
   <p:cSld>
     <p:spTree>
@@ -4928,7 +5990,7 @@
 </p:sld>
 </file>
 
-<file path=ppt/slides/slide7.xml><?xml version="1.0" encoding="utf-8"?>
+<file path=ppt/slides/slide9.xml><?xml version="1.0" encoding="utf-8"?>
 <p:sld xmlns:a="http://schemas.openxmlformats.org/drawingml/2006/main" xmlns:r="http://schemas.openxmlformats.org/officeDocument/2006/relationships" xmlns:p="http://schemas.openxmlformats.org/presentationml/2006/main">
   <p:cSld>
     <p:spTree>
@@ -5081,279 +6143,6 @@
     <p:extLst>
       <p:ext uri="{BB962C8B-B14F-4D97-AF65-F5344CB8AC3E}">
         <p14:creationId xmlns:p14="http://schemas.microsoft.com/office/powerpoint/2010/main" val="2380005656"/>
-      </p:ext>
-    </p:extLst>
-  </p:cSld>
-  <p:clrMapOvr>
-    <a:masterClrMapping/>
-  </p:clrMapOvr>
-</p:sld>
-</file>
-
-<file path=ppt/slides/slide8.xml><?xml version="1.0" encoding="utf-8"?>
-<p:sld xmlns:a="http://schemas.openxmlformats.org/drawingml/2006/main" xmlns:r="http://schemas.openxmlformats.org/officeDocument/2006/relationships" xmlns:p="http://schemas.openxmlformats.org/presentationml/2006/main">
-  <p:cSld>
-    <p:spTree>
-      <p:nvGrpSpPr>
-        <p:cNvPr id="1" name=""/>
-        <p:cNvGrpSpPr/>
-        <p:nvPr/>
-      </p:nvGrpSpPr>
-      <p:grpSpPr>
-        <a:xfrm>
-          <a:off x="0" y="0"/>
-          <a:ext cx="0" cy="0"/>
-          <a:chOff x="0" y="0"/>
-          <a:chExt cx="0" cy="0"/>
-        </a:xfrm>
-      </p:grpSpPr>
-      <p:sp>
-        <p:nvSpPr>
-          <p:cNvPr id="2" name="Titre 1">
-            <a:extLst>
-              <a:ext uri="{FF2B5EF4-FFF2-40B4-BE49-F238E27FC236}">
-                <a16:creationId xmlns:a16="http://schemas.microsoft.com/office/drawing/2014/main" id="{B0A197D2-1D84-0E41-DD59-72E8AEF43999}"/>
-              </a:ext>
-            </a:extLst>
-          </p:cNvPr>
-          <p:cNvSpPr>
-            <a:spLocks noGrp="1"/>
-          </p:cNvSpPr>
-          <p:nvPr>
-            <p:ph type="title"/>
-          </p:nvPr>
-        </p:nvSpPr>
-        <p:spPr/>
-        <p:txBody>
-          <a:bodyPr/>
-          <a:lstStyle/>
-          <a:p>
-            <a:r>
-              <a:rPr lang="fr-FR" dirty="0"/>
-              <a:t>Push</a:t>
-            </a:r>
-          </a:p>
-        </p:txBody>
-      </p:sp>
-      <p:sp>
-        <p:nvSpPr>
-          <p:cNvPr id="3" name="Espace réservé du contenu 2">
-            <a:extLst>
-              <a:ext uri="{FF2B5EF4-FFF2-40B4-BE49-F238E27FC236}">
-                <a16:creationId xmlns:a16="http://schemas.microsoft.com/office/drawing/2014/main" id="{EAE9AB2E-1516-1E93-4633-2F4DD857A9D4}"/>
-              </a:ext>
-            </a:extLst>
-          </p:cNvPr>
-          <p:cNvSpPr>
-            <a:spLocks noGrp="1"/>
-          </p:cNvSpPr>
-          <p:nvPr>
-            <p:ph idx="1"/>
-          </p:nvPr>
-        </p:nvSpPr>
-        <p:spPr/>
-        <p:txBody>
-          <a:bodyPr/>
-          <a:lstStyle/>
-          <a:p>
-            <a:r>
-              <a:rPr lang="fr-FR" dirty="0"/>
-              <a:t>Pour ajouter la branche sur le dépôt distant</a:t>
-            </a:r>
-          </a:p>
-          <a:p>
-            <a:pPr lvl="1"/>
-            <a:r>
-              <a:rPr lang="en-US" dirty="0"/>
-              <a:t>git push -u origin branch</a:t>
-            </a:r>
-            <a:endParaRPr lang="fr-FR" dirty="0"/>
-          </a:p>
-          <a:p>
-            <a:pPr lvl="1"/>
-            <a:r>
-              <a:rPr lang="fr-FR" dirty="0"/>
-              <a:t>La branche est créée sur le dépôt distant</a:t>
-            </a:r>
-          </a:p>
-          <a:p>
-            <a:r>
-              <a:rPr lang="fr-FR" dirty="0"/>
-              <a:t>Si une modification (bug fix) a été effectuée sur la branche elle est clonée sur le dépôt distant</a:t>
-            </a:r>
-          </a:p>
-          <a:p>
-            <a:pPr lvl="1"/>
-            <a:r>
-              <a:rPr lang="fr-FR" dirty="0"/>
-              <a:t>Nous voyons apparaitre une nouvelle branche + un commit</a:t>
-            </a:r>
-          </a:p>
-          <a:p>
-            <a:pPr lvl="1"/>
-            <a:r>
-              <a:rPr lang="fr-FR" dirty="0"/>
-              <a:t>Puis ensuite un git push </a:t>
-            </a:r>
-            <a:r>
-              <a:rPr lang="fr-FR"/>
-              <a:t>classique suffit</a:t>
-            </a:r>
-            <a:endParaRPr lang="fr-FR" dirty="0"/>
-          </a:p>
-        </p:txBody>
-      </p:sp>
-    </p:spTree>
-    <p:extLst>
-      <p:ext uri="{BB962C8B-B14F-4D97-AF65-F5344CB8AC3E}">
-        <p14:creationId xmlns:p14="http://schemas.microsoft.com/office/powerpoint/2010/main" val="3011113348"/>
-      </p:ext>
-    </p:extLst>
-  </p:cSld>
-  <p:clrMapOvr>
-    <a:masterClrMapping/>
-  </p:clrMapOvr>
-</p:sld>
-</file>
-
-<file path=ppt/slides/slide9.xml><?xml version="1.0" encoding="utf-8"?>
-<p:sld xmlns:a="http://schemas.openxmlformats.org/drawingml/2006/main" xmlns:r="http://schemas.openxmlformats.org/officeDocument/2006/relationships" xmlns:p="http://schemas.openxmlformats.org/presentationml/2006/main">
-  <p:cSld>
-    <p:spTree>
-      <p:nvGrpSpPr>
-        <p:cNvPr id="1" name=""/>
-        <p:cNvGrpSpPr/>
-        <p:nvPr/>
-      </p:nvGrpSpPr>
-      <p:grpSpPr>
-        <a:xfrm>
-          <a:off x="0" y="0"/>
-          <a:ext cx="0" cy="0"/>
-          <a:chOff x="0" y="0"/>
-          <a:chExt cx="0" cy="0"/>
-        </a:xfrm>
-      </p:grpSpPr>
-      <p:sp>
-        <p:nvSpPr>
-          <p:cNvPr id="2" name="Titre 1">
-            <a:extLst>
-              <a:ext uri="{FF2B5EF4-FFF2-40B4-BE49-F238E27FC236}">
-                <a16:creationId xmlns:a16="http://schemas.microsoft.com/office/drawing/2014/main" id="{6B85C916-FAD9-D731-7A7A-596074014EA3}"/>
-              </a:ext>
-            </a:extLst>
-          </p:cNvPr>
-          <p:cNvSpPr>
-            <a:spLocks noGrp="1"/>
-          </p:cNvSpPr>
-          <p:nvPr>
-            <p:ph type="title"/>
-          </p:nvPr>
-        </p:nvSpPr>
-        <p:spPr/>
-        <p:txBody>
-          <a:bodyPr/>
-          <a:lstStyle/>
-          <a:p>
-            <a:r>
-              <a:rPr lang="fr-FR" dirty="0"/>
-              <a:t>Merge</a:t>
-            </a:r>
-          </a:p>
-        </p:txBody>
-      </p:sp>
-      <p:sp>
-        <p:nvSpPr>
-          <p:cNvPr id="3" name="Espace réservé du contenu 2">
-            <a:extLst>
-              <a:ext uri="{FF2B5EF4-FFF2-40B4-BE49-F238E27FC236}">
-                <a16:creationId xmlns:a16="http://schemas.microsoft.com/office/drawing/2014/main" id="{CA651A9F-ADD2-9D29-09ED-1A692D32DD07}"/>
-              </a:ext>
-            </a:extLst>
-          </p:cNvPr>
-          <p:cNvSpPr>
-            <a:spLocks noGrp="1"/>
-          </p:cNvSpPr>
-          <p:nvPr>
-            <p:ph idx="1"/>
-          </p:nvPr>
-        </p:nvSpPr>
-        <p:spPr/>
-        <p:txBody>
-          <a:bodyPr/>
-          <a:lstStyle/>
-          <a:p>
-            <a:r>
-              <a:rPr lang="fr-FR" dirty="0"/>
-              <a:t>À présent, il faut intégrer l'évolution réalisée dans la branche à la branche principale "main"</a:t>
-            </a:r>
-          </a:p>
-          <a:p>
-            <a:r>
-              <a:rPr lang="fr-FR" dirty="0"/>
-              <a:t>Pour cela, vous devez utiliser la commande git merge</a:t>
-            </a:r>
-          </a:p>
-          <a:p>
-            <a:pPr lvl="1"/>
-            <a:r>
-              <a:rPr lang="fr-FR" dirty="0"/>
-              <a:t>Dangereux</a:t>
-            </a:r>
-          </a:p>
-          <a:p>
-            <a:pPr lvl="1"/>
-            <a:r>
-              <a:rPr lang="fr-FR" dirty="0"/>
-              <a:t>Nécessite des tests</a:t>
-            </a:r>
-          </a:p>
-          <a:p>
-            <a:pPr lvl="1"/>
-            <a:r>
-              <a:rPr lang="fr-FR" dirty="0"/>
-              <a:t>Par défaut la branche main n'est pas protégée</a:t>
-            </a:r>
-          </a:p>
-          <a:p>
-            <a:pPr lvl="1"/>
-            <a:endParaRPr lang="fr-FR" dirty="0"/>
-          </a:p>
-        </p:txBody>
-      </p:sp>
-      <p:pic>
-        <p:nvPicPr>
-          <p:cNvPr id="5" name="Image 4">
-            <a:extLst>
-              <a:ext uri="{FF2B5EF4-FFF2-40B4-BE49-F238E27FC236}">
-                <a16:creationId xmlns:a16="http://schemas.microsoft.com/office/drawing/2014/main" id="{A1F86A16-2EDB-A0B4-3A75-F2065691E7E6}"/>
-              </a:ext>
-            </a:extLst>
-          </p:cNvPr>
-          <p:cNvPicPr>
-            <a:picLocks noChangeAspect="1"/>
-          </p:cNvPicPr>
-          <p:nvPr/>
-        </p:nvPicPr>
-        <p:blipFill>
-          <a:blip r:embed="rId2"/>
-          <a:stretch>
-            <a:fillRect/>
-          </a:stretch>
-        </p:blipFill>
-        <p:spPr>
-          <a:xfrm>
-            <a:off x="590057" y="4797152"/>
-            <a:ext cx="7944959" cy="1038370"/>
-          </a:xfrm>
-          <a:prstGeom prst="rect">
-            <a:avLst/>
-          </a:prstGeom>
-        </p:spPr>
-      </p:pic>
-    </p:spTree>
-    <p:extLst>
-      <p:ext uri="{BB962C8B-B14F-4D97-AF65-F5344CB8AC3E}">
-        <p14:creationId xmlns:p14="http://schemas.microsoft.com/office/powerpoint/2010/main" val="2292273406"/>
       </p:ext>
     </p:extLst>
   </p:cSld>

--- a/ppt/GIT03-Branches.pptx
+++ b/ppt/GIT03-Branches.pptx
@@ -4964,18 +4964,28 @@
           <a:p>
             <a:r>
               <a:rPr lang="fr-FR" dirty="0"/>
-              <a:t>Création d'une branche à partir de la branche courante</a:t>
+              <a:t>Création d'une branche à partir d'une branche existante</a:t>
             </a:r>
           </a:p>
           <a:p>
             <a:pPr lvl="1"/>
             <a:r>
               <a:rPr lang="en-US" dirty="0"/>
-              <a:t>git checkout -b </a:t>
+              <a:t>git checkout –b </a:t>
             </a:r>
             <a:r>
               <a:rPr lang="en-US" dirty="0" err="1"/>
               <a:t>newBranch</a:t>
+            </a:r>
+            <a:r>
+              <a:rPr lang="en-US" dirty="0"/>
+              <a:t> branch</a:t>
+            </a:r>
+          </a:p>
+          <a:p>
+            <a:r>
+              <a:rPr lang="en-US" dirty="0"/>
+              <a:t> </a:t>
             </a:r>
             <a:endParaRPr lang="fr-FR" dirty="0"/>
           </a:p>
@@ -5781,15 +5791,7 @@
             <a:pPr lvl="1"/>
             <a:r>
               <a:rPr lang="fr-FR" dirty="0"/>
-              <a:t>Le nom </a:t>
-            </a:r>
-            <a:r>
-              <a:rPr lang="fr-FR" dirty="0" err="1"/>
-              <a:t>comple</a:t>
-            </a:r>
-            <a:r>
-              <a:rPr lang="fr-FR" dirty="0"/>
-              <a:t> de la branche distante est </a:t>
+              <a:t>Le nom complet de la branche distante est </a:t>
             </a:r>
             <a:r>
               <a:rPr lang="fr-FR" dirty="0" err="1"/>
@@ -5821,6 +5823,21 @@
             <a:r>
               <a:rPr lang="fr-FR" dirty="0"/>
               <a:t>/main</a:t>
+            </a:r>
+          </a:p>
+          <a:p>
+            <a:pPr lvl="1"/>
+            <a:r>
+              <a:rPr lang="fr-FR" dirty="0"/>
+              <a:t>git </a:t>
+            </a:r>
+            <a:r>
+              <a:rPr lang="fr-FR"/>
+              <a:t>remot</a:t>
+            </a:r>
+            <a:r>
+              <a:rPr lang="fr-FR" dirty="0"/>
+              <a:t>e</a:t>
             </a:r>
           </a:p>
           <a:p>
